--- a/01_doc/presentation_koo_jozsef.pptx
+++ b/01_doc/presentation_koo_jozsef.pptx
@@ -4,6 +4,9 @@
   <p:sldMasterIdLst>
     <p:sldMasterId id="2147483648" r:id="rId1"/>
   </p:sldMasterIdLst>
+  <p:notesMasterIdLst>
+    <p:notesMasterId r:id="rId19"/>
+  </p:notesMasterIdLst>
   <p:sldIdLst>
     <p:sldId id="256" r:id="rId2"/>
     <p:sldId id="275" r:id="rId3"/>
@@ -175,6 +178,7 @@
           </a:p>
         </c:rich>
       </c:tx>
+      <c:layout/>
       <c:overlay val="0"/>
       <c:spPr>
         <a:noFill/>
@@ -8052,6 +8056,7 @@
   </mc:AlternateContent>
   <c:chart>
     <c:title>
+      <c:layout/>
       <c:overlay val="0"/>
       <c:spPr>
         <a:noFill/>
@@ -11257,6 +11262,356 @@
 </cs:chartStyle>
 </file>
 
+<file path=ppt/notesMasters/notesMaster1.xml><?xml version="1.0" encoding="utf-8"?>
+<p:notesMaster xmlns:a="http://schemas.openxmlformats.org/drawingml/2006/main" xmlns:r="http://schemas.openxmlformats.org/officeDocument/2006/relationships" xmlns:p="http://schemas.openxmlformats.org/presentationml/2006/main">
+  <p:cSld>
+    <p:bg>
+      <p:bgRef idx="1001">
+        <a:schemeClr val="bg1"/>
+      </p:bgRef>
+    </p:bg>
+    <p:spTree>
+      <p:nvGrpSpPr>
+        <p:cNvPr id="1" name=""/>
+        <p:cNvGrpSpPr/>
+        <p:nvPr/>
+      </p:nvGrpSpPr>
+      <p:grpSpPr>
+        <a:xfrm>
+          <a:off x="0" y="0"/>
+          <a:ext cx="0" cy="0"/>
+          <a:chOff x="0" y="0"/>
+          <a:chExt cx="0" cy="0"/>
+        </a:xfrm>
+      </p:grpSpPr>
+      <p:sp>
+        <p:nvSpPr>
+          <p:cNvPr id="2" name="Élőfej helye 1"/>
+          <p:cNvSpPr>
+            <a:spLocks noGrp="1"/>
+          </p:cNvSpPr>
+          <p:nvPr>
+            <p:ph type="hdr" sz="quarter"/>
+          </p:nvPr>
+        </p:nvSpPr>
+        <p:spPr>
+          <a:xfrm>
+            <a:off x="0" y="0"/>
+            <a:ext cx="2971800" cy="458788"/>
+          </a:xfrm>
+          <a:prstGeom prst="rect">
+            <a:avLst/>
+          </a:prstGeom>
+        </p:spPr>
+        <p:txBody>
+          <a:bodyPr vert="horz" lIns="91440" tIns="45720" rIns="91440" bIns="45720" rtlCol="0"/>
+          <a:lstStyle>
+            <a:lvl1pPr algn="l">
+              <a:defRPr sz="1200"/>
+            </a:lvl1pPr>
+          </a:lstStyle>
+          <a:p>
+            <a:endParaRPr lang="hu-HU"/>
+          </a:p>
+        </p:txBody>
+      </p:sp>
+      <p:sp>
+        <p:nvSpPr>
+          <p:cNvPr id="3" name="Dátum helye 2"/>
+          <p:cNvSpPr>
+            <a:spLocks noGrp="1"/>
+          </p:cNvSpPr>
+          <p:nvPr>
+            <p:ph type="dt" idx="1"/>
+          </p:nvPr>
+        </p:nvSpPr>
+        <p:spPr>
+          <a:xfrm>
+            <a:off x="3884613" y="0"/>
+            <a:ext cx="2971800" cy="458788"/>
+          </a:xfrm>
+          <a:prstGeom prst="rect">
+            <a:avLst/>
+          </a:prstGeom>
+        </p:spPr>
+        <p:txBody>
+          <a:bodyPr vert="horz" lIns="91440" tIns="45720" rIns="91440" bIns="45720" rtlCol="0"/>
+          <a:lstStyle>
+            <a:lvl1pPr algn="r">
+              <a:defRPr sz="1200"/>
+            </a:lvl1pPr>
+          </a:lstStyle>
+          <a:p>
+            <a:fld id="{885AB6A6-EE65-48E4-8A9F-0C8E4AE9DDB8}" type="datetimeFigureOut">
+              <a:rPr lang="hu-HU" smtClean="0"/>
+              <a:t>2018. 12. 09.</a:t>
+            </a:fld>
+            <a:endParaRPr lang="hu-HU"/>
+          </a:p>
+        </p:txBody>
+      </p:sp>
+      <p:sp>
+        <p:nvSpPr>
+          <p:cNvPr id="4" name="Diakép helye 3"/>
+          <p:cNvSpPr>
+            <a:spLocks noGrp="1" noRot="1" noChangeAspect="1"/>
+          </p:cNvSpPr>
+          <p:nvPr>
+            <p:ph type="sldImg" idx="2"/>
+          </p:nvPr>
+        </p:nvSpPr>
+        <p:spPr>
+          <a:xfrm>
+            <a:off x="685800" y="1143000"/>
+            <a:ext cx="5486400" cy="3086100"/>
+          </a:xfrm>
+          <a:prstGeom prst="rect">
+            <a:avLst/>
+          </a:prstGeom>
+          <a:noFill/>
+          <a:ln w="12700">
+            <a:solidFill>
+              <a:prstClr val="black"/>
+            </a:solidFill>
+          </a:ln>
+        </p:spPr>
+        <p:txBody>
+          <a:bodyPr vert="horz" lIns="91440" tIns="45720" rIns="91440" bIns="45720" rtlCol="0" anchor="ctr"/>
+          <a:lstStyle/>
+          <a:p>
+            <a:endParaRPr lang="hu-HU"/>
+          </a:p>
+        </p:txBody>
+      </p:sp>
+      <p:sp>
+        <p:nvSpPr>
+          <p:cNvPr id="5" name="Jegyzetek helye 4"/>
+          <p:cNvSpPr>
+            <a:spLocks noGrp="1"/>
+          </p:cNvSpPr>
+          <p:nvPr>
+            <p:ph type="body" sz="quarter" idx="3"/>
+          </p:nvPr>
+        </p:nvSpPr>
+        <p:spPr>
+          <a:xfrm>
+            <a:off x="685800" y="4400550"/>
+            <a:ext cx="5486400" cy="3600450"/>
+          </a:xfrm>
+          <a:prstGeom prst="rect">
+            <a:avLst/>
+          </a:prstGeom>
+        </p:spPr>
+        <p:txBody>
+          <a:bodyPr vert="horz" lIns="91440" tIns="45720" rIns="91440" bIns="45720" rtlCol="0"/>
+          <a:lstStyle/>
+          <a:p>
+            <a:pPr lvl="0"/>
+            <a:r>
+              <a:rPr lang="hu-HU" smtClean="0"/>
+              <a:t>Mintaszöveg szerkesztése</a:t>
+            </a:r>
+          </a:p>
+          <a:p>
+            <a:pPr lvl="1"/>
+            <a:r>
+              <a:rPr lang="hu-HU" smtClean="0"/>
+              <a:t>Második szint</a:t>
+            </a:r>
+          </a:p>
+          <a:p>
+            <a:pPr lvl="2"/>
+            <a:r>
+              <a:rPr lang="hu-HU" smtClean="0"/>
+              <a:t>Harmadik szint</a:t>
+            </a:r>
+          </a:p>
+          <a:p>
+            <a:pPr lvl="3"/>
+            <a:r>
+              <a:rPr lang="hu-HU" smtClean="0"/>
+              <a:t>Negyedik szint</a:t>
+            </a:r>
+          </a:p>
+          <a:p>
+            <a:pPr lvl="4"/>
+            <a:r>
+              <a:rPr lang="hu-HU" smtClean="0"/>
+              <a:t>Ötödik szint</a:t>
+            </a:r>
+            <a:endParaRPr lang="hu-HU"/>
+          </a:p>
+        </p:txBody>
+      </p:sp>
+      <p:sp>
+        <p:nvSpPr>
+          <p:cNvPr id="6" name="Élőláb helye 5"/>
+          <p:cNvSpPr>
+            <a:spLocks noGrp="1"/>
+          </p:cNvSpPr>
+          <p:nvPr>
+            <p:ph type="ftr" sz="quarter" idx="4"/>
+          </p:nvPr>
+        </p:nvSpPr>
+        <p:spPr>
+          <a:xfrm>
+            <a:off x="0" y="8685213"/>
+            <a:ext cx="2971800" cy="458787"/>
+          </a:xfrm>
+          <a:prstGeom prst="rect">
+            <a:avLst/>
+          </a:prstGeom>
+        </p:spPr>
+        <p:txBody>
+          <a:bodyPr vert="horz" lIns="91440" tIns="45720" rIns="91440" bIns="45720" rtlCol="0" anchor="b"/>
+          <a:lstStyle>
+            <a:lvl1pPr algn="l">
+              <a:defRPr sz="1200"/>
+            </a:lvl1pPr>
+          </a:lstStyle>
+          <a:p>
+            <a:endParaRPr lang="hu-HU"/>
+          </a:p>
+        </p:txBody>
+      </p:sp>
+      <p:sp>
+        <p:nvSpPr>
+          <p:cNvPr id="7" name="Dia számának helye 6"/>
+          <p:cNvSpPr>
+            <a:spLocks noGrp="1"/>
+          </p:cNvSpPr>
+          <p:nvPr>
+            <p:ph type="sldNum" sz="quarter" idx="5"/>
+          </p:nvPr>
+        </p:nvSpPr>
+        <p:spPr>
+          <a:xfrm>
+            <a:off x="3884613" y="8685213"/>
+            <a:ext cx="2971800" cy="458787"/>
+          </a:xfrm>
+          <a:prstGeom prst="rect">
+            <a:avLst/>
+          </a:prstGeom>
+        </p:spPr>
+        <p:txBody>
+          <a:bodyPr vert="horz" lIns="91440" tIns="45720" rIns="91440" bIns="45720" rtlCol="0" anchor="b"/>
+          <a:lstStyle>
+            <a:lvl1pPr algn="r">
+              <a:defRPr sz="1200"/>
+            </a:lvl1pPr>
+          </a:lstStyle>
+          <a:p>
+            <a:fld id="{BE4ED534-8210-48D0-83D8-CFA5EEFF3318}" type="slidenum">
+              <a:rPr lang="hu-HU" smtClean="0"/>
+              <a:t>‹#›</a:t>
+            </a:fld>
+            <a:endParaRPr lang="hu-HU"/>
+          </a:p>
+        </p:txBody>
+      </p:sp>
+    </p:spTree>
+    <p:extLst>
+      <p:ext uri="{BB962C8B-B14F-4D97-AF65-F5344CB8AC3E}">
+        <p14:creationId xmlns:p14="http://schemas.microsoft.com/office/powerpoint/2010/main" val="2342033388"/>
+      </p:ext>
+    </p:extLst>
+  </p:cSld>
+  <p:clrMap bg1="lt1" tx1="dk1" bg2="lt2" tx2="dk2" accent1="accent1" accent2="accent2" accent3="accent3" accent4="accent4" accent5="accent5" accent6="accent6" hlink="hlink" folHlink="folHlink"/>
+  <p:notesStyle>
+    <a:lvl1pPr marL="0" algn="l" defTabSz="914400" rtl="0" eaLnBrk="1" latinLnBrk="0" hangingPunct="1">
+      <a:defRPr sz="1200" kern="1200">
+        <a:solidFill>
+          <a:schemeClr val="tx1"/>
+        </a:solidFill>
+        <a:latin typeface="+mn-lt"/>
+        <a:ea typeface="+mn-ea"/>
+        <a:cs typeface="+mn-cs"/>
+      </a:defRPr>
+    </a:lvl1pPr>
+    <a:lvl2pPr marL="457200" algn="l" defTabSz="914400" rtl="0" eaLnBrk="1" latinLnBrk="0" hangingPunct="1">
+      <a:defRPr sz="1200" kern="1200">
+        <a:solidFill>
+          <a:schemeClr val="tx1"/>
+        </a:solidFill>
+        <a:latin typeface="+mn-lt"/>
+        <a:ea typeface="+mn-ea"/>
+        <a:cs typeface="+mn-cs"/>
+      </a:defRPr>
+    </a:lvl2pPr>
+    <a:lvl3pPr marL="914400" algn="l" defTabSz="914400" rtl="0" eaLnBrk="1" latinLnBrk="0" hangingPunct="1">
+      <a:defRPr sz="1200" kern="1200">
+        <a:solidFill>
+          <a:schemeClr val="tx1"/>
+        </a:solidFill>
+        <a:latin typeface="+mn-lt"/>
+        <a:ea typeface="+mn-ea"/>
+        <a:cs typeface="+mn-cs"/>
+      </a:defRPr>
+    </a:lvl3pPr>
+    <a:lvl4pPr marL="1371600" algn="l" defTabSz="914400" rtl="0" eaLnBrk="1" latinLnBrk="0" hangingPunct="1">
+      <a:defRPr sz="1200" kern="1200">
+        <a:solidFill>
+          <a:schemeClr val="tx1"/>
+        </a:solidFill>
+        <a:latin typeface="+mn-lt"/>
+        <a:ea typeface="+mn-ea"/>
+        <a:cs typeface="+mn-cs"/>
+      </a:defRPr>
+    </a:lvl4pPr>
+    <a:lvl5pPr marL="1828800" algn="l" defTabSz="914400" rtl="0" eaLnBrk="1" latinLnBrk="0" hangingPunct="1">
+      <a:defRPr sz="1200" kern="1200">
+        <a:solidFill>
+          <a:schemeClr val="tx1"/>
+        </a:solidFill>
+        <a:latin typeface="+mn-lt"/>
+        <a:ea typeface="+mn-ea"/>
+        <a:cs typeface="+mn-cs"/>
+      </a:defRPr>
+    </a:lvl5pPr>
+    <a:lvl6pPr marL="2286000" algn="l" defTabSz="914400" rtl="0" eaLnBrk="1" latinLnBrk="0" hangingPunct="1">
+      <a:defRPr sz="1200" kern="1200">
+        <a:solidFill>
+          <a:schemeClr val="tx1"/>
+        </a:solidFill>
+        <a:latin typeface="+mn-lt"/>
+        <a:ea typeface="+mn-ea"/>
+        <a:cs typeface="+mn-cs"/>
+      </a:defRPr>
+    </a:lvl6pPr>
+    <a:lvl7pPr marL="2743200" algn="l" defTabSz="914400" rtl="0" eaLnBrk="1" latinLnBrk="0" hangingPunct="1">
+      <a:defRPr sz="1200" kern="1200">
+        <a:solidFill>
+          <a:schemeClr val="tx1"/>
+        </a:solidFill>
+        <a:latin typeface="+mn-lt"/>
+        <a:ea typeface="+mn-ea"/>
+        <a:cs typeface="+mn-cs"/>
+      </a:defRPr>
+    </a:lvl7pPr>
+    <a:lvl8pPr marL="3200400" algn="l" defTabSz="914400" rtl="0" eaLnBrk="1" latinLnBrk="0" hangingPunct="1">
+      <a:defRPr sz="1200" kern="1200">
+        <a:solidFill>
+          <a:schemeClr val="tx1"/>
+        </a:solidFill>
+        <a:latin typeface="+mn-lt"/>
+        <a:ea typeface="+mn-ea"/>
+        <a:cs typeface="+mn-cs"/>
+      </a:defRPr>
+    </a:lvl8pPr>
+    <a:lvl9pPr marL="3657600" algn="l" defTabSz="914400" rtl="0" eaLnBrk="1" latinLnBrk="0" hangingPunct="1">
+      <a:defRPr sz="1200" kern="1200">
+        <a:solidFill>
+          <a:schemeClr val="tx1"/>
+        </a:solidFill>
+        <a:latin typeface="+mn-lt"/>
+        <a:ea typeface="+mn-ea"/>
+        <a:cs typeface="+mn-cs"/>
+      </a:defRPr>
+    </a:lvl9pPr>
+  </p:notesStyle>
+</p:notesMaster>
+</file>
+
 <file path=ppt/slideLayouts/slideLayout1.xml><?xml version="1.0" encoding="utf-8"?>
 <p:sldLayout xmlns:a="http://schemas.openxmlformats.org/drawingml/2006/main" xmlns:r="http://schemas.openxmlformats.org/officeDocument/2006/relationships" xmlns:p="http://schemas.openxmlformats.org/presentationml/2006/main" type="title" preserve="1">
   <p:cSld name="Címdia">
@@ -11386,7 +11741,7 @@
           <a:bodyPr/>
           <a:lstStyle/>
           <a:p>
-            <a:fld id="{A2CBA9FF-E58C-4A4B-B797-E213643C68CF}" type="datetimeFigureOut">
+            <a:fld id="{24819882-08D2-41AE-BD4B-FD46BCEDA92B}" type="datetime1">
               <a:rPr lang="hu-HU" smtClean="0"/>
               <a:t>2018. 12. 09.</a:t>
             </a:fld>
@@ -11409,6 +11764,10 @@
           <a:bodyPr/>
           <a:lstStyle/>
           <a:p>
+            <a:r>
+              <a:rPr lang="hu-HU" smtClean="0"/>
+              <a:t>Diplomalabor – Köő József – 2018</a:t>
+            </a:r>
             <a:endParaRPr lang="hu-HU"/>
           </a:p>
         </p:txBody>
@@ -11556,7 +11915,7 @@
           <a:bodyPr/>
           <a:lstStyle/>
           <a:p>
-            <a:fld id="{A2CBA9FF-E58C-4A4B-B797-E213643C68CF}" type="datetimeFigureOut">
+            <a:fld id="{F18D4B81-83C2-4618-9A1D-73249BD9FD4D}" type="datetime1">
               <a:rPr lang="hu-HU" smtClean="0"/>
               <a:t>2018. 12. 09.</a:t>
             </a:fld>
@@ -11579,6 +11938,10 @@
           <a:bodyPr/>
           <a:lstStyle/>
           <a:p>
+            <a:r>
+              <a:rPr lang="hu-HU" smtClean="0"/>
+              <a:t>Diplomalabor – Köő József – 2018</a:t>
+            </a:r>
             <a:endParaRPr lang="hu-HU"/>
           </a:p>
         </p:txBody>
@@ -11736,7 +12099,7 @@
           <a:bodyPr/>
           <a:lstStyle/>
           <a:p>
-            <a:fld id="{A2CBA9FF-E58C-4A4B-B797-E213643C68CF}" type="datetimeFigureOut">
+            <a:fld id="{9E1BFC75-197D-48E8-A4AD-DA8489CF7695}" type="datetime1">
               <a:rPr lang="hu-HU" smtClean="0"/>
               <a:t>2018. 12. 09.</a:t>
             </a:fld>
@@ -11759,6 +12122,10 @@
           <a:bodyPr/>
           <a:lstStyle/>
           <a:p>
+            <a:r>
+              <a:rPr lang="hu-HU" smtClean="0"/>
+              <a:t>Diplomalabor – Köő József – 2018</a:t>
+            </a:r>
             <a:endParaRPr lang="hu-HU"/>
           </a:p>
         </p:txBody>
@@ -11906,7 +12273,7 @@
           <a:bodyPr/>
           <a:lstStyle/>
           <a:p>
-            <a:fld id="{A2CBA9FF-E58C-4A4B-B797-E213643C68CF}" type="datetimeFigureOut">
+            <a:fld id="{51185981-A0BA-4828-A360-3F09E4B5A7AD}" type="datetime1">
               <a:rPr lang="hu-HU" smtClean="0"/>
               <a:t>2018. 12. 09.</a:t>
             </a:fld>
@@ -11929,6 +12296,10 @@
           <a:bodyPr/>
           <a:lstStyle/>
           <a:p>
+            <a:r>
+              <a:rPr lang="hu-HU" smtClean="0"/>
+              <a:t>Diplomalabor – Köő József – 2018</a:t>
+            </a:r>
             <a:endParaRPr lang="hu-HU"/>
           </a:p>
         </p:txBody>
@@ -12152,7 +12523,7 @@
           <a:bodyPr/>
           <a:lstStyle/>
           <a:p>
-            <a:fld id="{A2CBA9FF-E58C-4A4B-B797-E213643C68CF}" type="datetimeFigureOut">
+            <a:fld id="{142A8037-1089-4093-AC31-BECFAC785958}" type="datetime1">
               <a:rPr lang="hu-HU" smtClean="0"/>
               <a:t>2018. 12. 09.</a:t>
             </a:fld>
@@ -12175,6 +12546,10 @@
           <a:bodyPr/>
           <a:lstStyle/>
           <a:p>
+            <a:r>
+              <a:rPr lang="hu-HU" smtClean="0"/>
+              <a:t>Diplomalabor – Köő József – 2018</a:t>
+            </a:r>
             <a:endParaRPr lang="hu-HU"/>
           </a:p>
         </p:txBody>
@@ -12384,7 +12759,7 @@
           <a:bodyPr/>
           <a:lstStyle/>
           <a:p>
-            <a:fld id="{A2CBA9FF-E58C-4A4B-B797-E213643C68CF}" type="datetimeFigureOut">
+            <a:fld id="{3209319C-EDCE-4BBA-BF4B-A1FA3086EC45}" type="datetime1">
               <a:rPr lang="hu-HU" smtClean="0"/>
               <a:t>2018. 12. 09.</a:t>
             </a:fld>
@@ -12407,6 +12782,10 @@
           <a:bodyPr/>
           <a:lstStyle/>
           <a:p>
+            <a:r>
+              <a:rPr lang="hu-HU" smtClean="0"/>
+              <a:t>Diplomalabor – Köő József – 2018</a:t>
+            </a:r>
             <a:endParaRPr lang="hu-HU"/>
           </a:p>
         </p:txBody>
@@ -12751,7 +13130,7 @@
           <a:bodyPr/>
           <a:lstStyle/>
           <a:p>
-            <a:fld id="{A2CBA9FF-E58C-4A4B-B797-E213643C68CF}" type="datetimeFigureOut">
+            <a:fld id="{CD3BB1D1-A12E-4015-967B-3A43BB41E8DE}" type="datetime1">
               <a:rPr lang="hu-HU" smtClean="0"/>
               <a:t>2018. 12. 09.</a:t>
             </a:fld>
@@ -12774,6 +13153,10 @@
           <a:bodyPr/>
           <a:lstStyle/>
           <a:p>
+            <a:r>
+              <a:rPr lang="hu-HU" smtClean="0"/>
+              <a:t>Diplomalabor – Köő József – 2018</a:t>
+            </a:r>
             <a:endParaRPr lang="hu-HU"/>
           </a:p>
         </p:txBody>
@@ -12869,7 +13252,7 @@
           <a:bodyPr/>
           <a:lstStyle/>
           <a:p>
-            <a:fld id="{A2CBA9FF-E58C-4A4B-B797-E213643C68CF}" type="datetimeFigureOut">
+            <a:fld id="{351FB7AC-2C1F-4DBF-8BDA-D564A339A099}" type="datetime1">
               <a:rPr lang="hu-HU" smtClean="0"/>
               <a:t>2018. 12. 09.</a:t>
             </a:fld>
@@ -12892,6 +13275,10 @@
           <a:bodyPr/>
           <a:lstStyle/>
           <a:p>
+            <a:r>
+              <a:rPr lang="hu-HU" smtClean="0"/>
+              <a:t>Diplomalabor – Köő József – 2018</a:t>
+            </a:r>
             <a:endParaRPr lang="hu-HU"/>
           </a:p>
         </p:txBody>
@@ -12964,7 +13351,7 @@
           <a:bodyPr/>
           <a:lstStyle/>
           <a:p>
-            <a:fld id="{A2CBA9FF-E58C-4A4B-B797-E213643C68CF}" type="datetimeFigureOut">
+            <a:fld id="{110D17EA-6337-493C-AD80-2A5409081D05}" type="datetime1">
               <a:rPr lang="hu-HU" smtClean="0"/>
               <a:t>2018. 12. 09.</a:t>
             </a:fld>
@@ -12987,6 +13374,10 @@
           <a:bodyPr/>
           <a:lstStyle/>
           <a:p>
+            <a:r>
+              <a:rPr lang="hu-HU" smtClean="0"/>
+              <a:t>Diplomalabor – Köő József – 2018</a:t>
+            </a:r>
             <a:endParaRPr lang="hu-HU"/>
           </a:p>
         </p:txBody>
@@ -13241,7 +13632,7 @@
           <a:bodyPr/>
           <a:lstStyle/>
           <a:p>
-            <a:fld id="{A2CBA9FF-E58C-4A4B-B797-E213643C68CF}" type="datetimeFigureOut">
+            <a:fld id="{308481A3-EC44-4A87-9E58-4103DC62A4A0}" type="datetime1">
               <a:rPr lang="hu-HU" smtClean="0"/>
               <a:t>2018. 12. 09.</a:t>
             </a:fld>
@@ -13264,6 +13655,10 @@
           <a:bodyPr/>
           <a:lstStyle/>
           <a:p>
+            <a:r>
+              <a:rPr lang="hu-HU" smtClean="0"/>
+              <a:t>Diplomalabor – Köő József – 2018</a:t>
+            </a:r>
             <a:endParaRPr lang="hu-HU"/>
           </a:p>
         </p:txBody>
@@ -13494,7 +13889,7 @@
           <a:bodyPr/>
           <a:lstStyle/>
           <a:p>
-            <a:fld id="{A2CBA9FF-E58C-4A4B-B797-E213643C68CF}" type="datetimeFigureOut">
+            <a:fld id="{A7A62C18-C4F1-4021-B75B-FA1F30D0B950}" type="datetime1">
               <a:rPr lang="hu-HU" smtClean="0"/>
               <a:t>2018. 12. 09.</a:t>
             </a:fld>
@@ -13517,6 +13912,10 @@
           <a:bodyPr/>
           <a:lstStyle/>
           <a:p>
+            <a:r>
+              <a:rPr lang="hu-HU" smtClean="0"/>
+              <a:t>Diplomalabor – Köő József – 2018</a:t>
+            </a:r>
             <a:endParaRPr lang="hu-HU"/>
           </a:p>
         </p:txBody>
@@ -13707,7 +14106,7 @@
             </a:lvl1pPr>
           </a:lstStyle>
           <a:p>
-            <a:fld id="{A2CBA9FF-E58C-4A4B-B797-E213643C68CF}" type="datetimeFigureOut">
+            <a:fld id="{B26C0ECD-8422-4555-B133-15E0A2121078}" type="datetime1">
               <a:rPr lang="hu-HU" smtClean="0"/>
               <a:t>2018. 12. 09.</a:t>
             </a:fld>
@@ -13748,6 +14147,10 @@
             </a:lvl1pPr>
           </a:lstStyle>
           <a:p>
+            <a:r>
+              <a:rPr lang="hu-HU" smtClean="0"/>
+              <a:t>Diplomalabor – Köő József – 2018</a:t>
+            </a:r>
             <a:endParaRPr lang="hu-HU"/>
           </a:p>
         </p:txBody>
@@ -13814,6 +14217,7 @@
     <p:sldLayoutId id="2147483658" r:id="rId10"/>
     <p:sldLayoutId id="2147483659" r:id="rId11"/>
   </p:sldLayoutIdLst>
+  <p:hf hdr="0" dt="0"/>
   <p:txStyles>
     <p:titleStyle>
       <a:lvl1pPr algn="l" defTabSz="914400" rtl="0" eaLnBrk="1" latinLnBrk="0" hangingPunct="1">
@@ -14132,12 +14536,20 @@
           <a:lstStyle/>
           <a:p>
             <a:r>
+              <a:rPr lang="hu-HU" dirty="0" smtClean="0"/>
+              <a:t>Mozgás </a:t>
+            </a:r>
+            <a:r>
               <a:rPr lang="hu-HU" dirty="0" err="1" smtClean="0"/>
-              <a:t>Mozgásdetektáció</a:t>
+              <a:t>detekció</a:t>
             </a:r>
             <a:r>
               <a:rPr lang="hu-HU" dirty="0" smtClean="0"/>
-              <a:t> és apertúra probléma megoldása, neurális hálók támogatásával</a:t>
+              <a:t> </a:t>
+            </a:r>
+            <a:r>
+              <a:rPr lang="hu-HU" dirty="0" smtClean="0"/>
+              <a:t>és apertúra probléma megoldása, neurális hálók támogatásával</a:t>
             </a:r>
             <a:endParaRPr lang="hu-HU" dirty="0"/>
           </a:p>
@@ -14155,30 +14567,111 @@
         </p:nvSpPr>
         <p:spPr/>
         <p:txBody>
+          <a:bodyPr>
+            <a:normAutofit lnSpcReduction="10000"/>
+          </a:bodyPr>
+          <a:lstStyle/>
+          <a:p>
+            <a:r>
+              <a:rPr lang="hu-HU" dirty="0" smtClean="0"/>
+              <a:t>Diplomalabor </a:t>
+            </a:r>
+            <a:r>
+              <a:rPr lang="hu-HU" dirty="0" smtClean="0"/>
+              <a:t>beszámoló</a:t>
+            </a:r>
+          </a:p>
+          <a:p>
+            <a:r>
+              <a:rPr lang="hu-HU" dirty="0" err="1" smtClean="0"/>
+              <a:t>Köő</a:t>
+            </a:r>
+            <a:r>
+              <a:rPr lang="hu-HU" dirty="0" smtClean="0"/>
+              <a:t> József</a:t>
+            </a:r>
+          </a:p>
+          <a:p>
+            <a:r>
+              <a:rPr lang="hu-HU" dirty="0" err="1" smtClean="0"/>
+              <a:t>Msc</a:t>
+            </a:r>
+            <a:r>
+              <a:rPr lang="hu-HU" dirty="0" smtClean="0"/>
+              <a:t> hallgató</a:t>
+            </a:r>
+            <a:endParaRPr lang="hu-HU" dirty="0" smtClean="0"/>
+          </a:p>
+          <a:p>
+            <a:r>
+              <a:rPr lang="hu-HU" dirty="0" smtClean="0"/>
+              <a:t>Témavezető: Dr. </a:t>
+            </a:r>
+            <a:r>
+              <a:rPr lang="hu-HU" dirty="0" err="1" smtClean="0"/>
+              <a:t>Czúni</a:t>
+            </a:r>
+            <a:r>
+              <a:rPr lang="hu-HU" dirty="0" smtClean="0"/>
+              <a:t> László</a:t>
+            </a:r>
+          </a:p>
+          <a:p>
+            <a:endParaRPr lang="hu-HU" dirty="0"/>
+          </a:p>
+        </p:txBody>
+      </p:sp>
+      <p:sp>
+        <p:nvSpPr>
+          <p:cNvPr id="4" name="Élőláb helye 3"/>
+          <p:cNvSpPr>
+            <a:spLocks noGrp="1"/>
+          </p:cNvSpPr>
+          <p:nvPr>
+            <p:ph type="ftr" sz="quarter" idx="11"/>
+          </p:nvPr>
+        </p:nvSpPr>
+        <p:spPr/>
+        <p:txBody>
           <a:bodyPr/>
           <a:lstStyle/>
           <a:p>
             <a:r>
               <a:rPr lang="hu-HU" dirty="0" smtClean="0"/>
-              <a:t>Diplomalabor beszámoló</a:t>
-            </a:r>
-          </a:p>
-          <a:p>
+              <a:t>Diplomalabor – </a:t>
+            </a:r>
+            <a:r>
+              <a:rPr lang="hu-HU" dirty="0" err="1" smtClean="0"/>
+              <a:t>Köő</a:t>
+            </a:r>
             <a:r>
               <a:rPr lang="hu-HU" dirty="0" smtClean="0"/>
-              <a:t>Témavezető: Dr. </a:t>
-            </a:r>
-            <a:r>
-              <a:rPr lang="hu-HU" dirty="0" err="1" smtClean="0"/>
-              <a:t>Czúni</a:t>
-            </a:r>
-            <a:r>
-              <a:rPr lang="hu-HU" dirty="0" smtClean="0"/>
-              <a:t> László</a:t>
-            </a:r>
-          </a:p>
-          <a:p>
+              <a:t> József – 2018</a:t>
+            </a:r>
             <a:endParaRPr lang="hu-HU" dirty="0"/>
+          </a:p>
+        </p:txBody>
+      </p:sp>
+      <p:sp>
+        <p:nvSpPr>
+          <p:cNvPr id="5" name="Dia számának helye 4"/>
+          <p:cNvSpPr>
+            <a:spLocks noGrp="1"/>
+          </p:cNvSpPr>
+          <p:nvPr>
+            <p:ph type="sldNum" sz="quarter" idx="12"/>
+          </p:nvPr>
+        </p:nvSpPr>
+        <p:spPr/>
+        <p:txBody>
+          <a:bodyPr/>
+          <a:lstStyle/>
+          <a:p>
+            <a:fld id="{20C715D5-DF8D-44DC-9102-A238A8C56F36}" type="slidenum">
+              <a:rPr lang="hu-HU" smtClean="0"/>
+              <a:t>1</a:t>
+            </a:fld>
+            <a:endParaRPr lang="hu-HU"/>
           </a:p>
         </p:txBody>
       </p:sp>
@@ -14322,6 +14815,52 @@
           </a:prstGeom>
         </p:spPr>
       </p:pic>
+      <p:sp>
+        <p:nvSpPr>
+          <p:cNvPr id="6" name="Élőláb helye 5"/>
+          <p:cNvSpPr>
+            <a:spLocks noGrp="1"/>
+          </p:cNvSpPr>
+          <p:nvPr>
+            <p:ph type="ftr" sz="quarter" idx="11"/>
+          </p:nvPr>
+        </p:nvSpPr>
+        <p:spPr/>
+        <p:txBody>
+          <a:bodyPr/>
+          <a:lstStyle/>
+          <a:p>
+            <a:r>
+              <a:rPr lang="hu-HU" smtClean="0"/>
+              <a:t>Diplomalabor – Köő József – 2018</a:t>
+            </a:r>
+            <a:endParaRPr lang="hu-HU"/>
+          </a:p>
+        </p:txBody>
+      </p:sp>
+      <p:sp>
+        <p:nvSpPr>
+          <p:cNvPr id="7" name="Dia számának helye 6"/>
+          <p:cNvSpPr>
+            <a:spLocks noGrp="1"/>
+          </p:cNvSpPr>
+          <p:nvPr>
+            <p:ph type="sldNum" sz="quarter" idx="12"/>
+          </p:nvPr>
+        </p:nvSpPr>
+        <p:spPr/>
+        <p:txBody>
+          <a:bodyPr/>
+          <a:lstStyle/>
+          <a:p>
+            <a:fld id="{20C715D5-DF8D-44DC-9102-A238A8C56F36}" type="slidenum">
+              <a:rPr lang="hu-HU" smtClean="0"/>
+              <a:t>10</a:t>
+            </a:fld>
+            <a:endParaRPr lang="hu-HU"/>
+          </a:p>
+        </p:txBody>
+      </p:sp>
     </p:spTree>
     <p:extLst>
       <p:ext uri="{BB962C8B-B14F-4D97-AF65-F5344CB8AC3E}">
@@ -14401,6 +14940,52 @@
           </a:prstGeom>
         </p:spPr>
       </p:pic>
+      <p:sp>
+        <p:nvSpPr>
+          <p:cNvPr id="3" name="Élőláb helye 2"/>
+          <p:cNvSpPr>
+            <a:spLocks noGrp="1"/>
+          </p:cNvSpPr>
+          <p:nvPr>
+            <p:ph type="ftr" sz="quarter" idx="11"/>
+          </p:nvPr>
+        </p:nvSpPr>
+        <p:spPr/>
+        <p:txBody>
+          <a:bodyPr/>
+          <a:lstStyle/>
+          <a:p>
+            <a:r>
+              <a:rPr lang="hu-HU" smtClean="0"/>
+              <a:t>Diplomalabor – Köő József – 2018</a:t>
+            </a:r>
+            <a:endParaRPr lang="hu-HU"/>
+          </a:p>
+        </p:txBody>
+      </p:sp>
+      <p:sp>
+        <p:nvSpPr>
+          <p:cNvPr id="4" name="Dia számának helye 3"/>
+          <p:cNvSpPr>
+            <a:spLocks noGrp="1"/>
+          </p:cNvSpPr>
+          <p:nvPr>
+            <p:ph type="sldNum" sz="quarter" idx="12"/>
+          </p:nvPr>
+        </p:nvSpPr>
+        <p:spPr/>
+        <p:txBody>
+          <a:bodyPr/>
+          <a:lstStyle/>
+          <a:p>
+            <a:fld id="{20C715D5-DF8D-44DC-9102-A238A8C56F36}" type="slidenum">
+              <a:rPr lang="hu-HU" smtClean="0"/>
+              <a:t>11</a:t>
+            </a:fld>
+            <a:endParaRPr lang="hu-HU"/>
+          </a:p>
+        </p:txBody>
+      </p:sp>
     </p:spTree>
     <p:extLst>
       <p:ext uri="{BB962C8B-B14F-4D97-AF65-F5344CB8AC3E}">
@@ -14480,6 +15065,52 @@
           </a:prstGeom>
         </p:spPr>
       </p:pic>
+      <p:sp>
+        <p:nvSpPr>
+          <p:cNvPr id="3" name="Élőláb helye 2"/>
+          <p:cNvSpPr>
+            <a:spLocks noGrp="1"/>
+          </p:cNvSpPr>
+          <p:nvPr>
+            <p:ph type="ftr" sz="quarter" idx="11"/>
+          </p:nvPr>
+        </p:nvSpPr>
+        <p:spPr/>
+        <p:txBody>
+          <a:bodyPr/>
+          <a:lstStyle/>
+          <a:p>
+            <a:r>
+              <a:rPr lang="hu-HU" smtClean="0"/>
+              <a:t>Diplomalabor – Köő József – 2018</a:t>
+            </a:r>
+            <a:endParaRPr lang="hu-HU"/>
+          </a:p>
+        </p:txBody>
+      </p:sp>
+      <p:sp>
+        <p:nvSpPr>
+          <p:cNvPr id="5" name="Dia számának helye 4"/>
+          <p:cNvSpPr>
+            <a:spLocks noGrp="1"/>
+          </p:cNvSpPr>
+          <p:nvPr>
+            <p:ph type="sldNum" sz="quarter" idx="12"/>
+          </p:nvPr>
+        </p:nvSpPr>
+        <p:spPr/>
+        <p:txBody>
+          <a:bodyPr/>
+          <a:lstStyle/>
+          <a:p>
+            <a:fld id="{20C715D5-DF8D-44DC-9102-A238A8C56F36}" type="slidenum">
+              <a:rPr lang="hu-HU" smtClean="0"/>
+              <a:t>12</a:t>
+            </a:fld>
+            <a:endParaRPr lang="hu-HU"/>
+          </a:p>
+        </p:txBody>
+      </p:sp>
     </p:spTree>
     <p:extLst>
       <p:ext uri="{BB962C8B-B14F-4D97-AF65-F5344CB8AC3E}">
@@ -14559,6 +15190,52 @@
           </a:prstGeom>
         </p:spPr>
       </p:pic>
+      <p:sp>
+        <p:nvSpPr>
+          <p:cNvPr id="3" name="Élőláb helye 2"/>
+          <p:cNvSpPr>
+            <a:spLocks noGrp="1"/>
+          </p:cNvSpPr>
+          <p:nvPr>
+            <p:ph type="ftr" sz="quarter" idx="11"/>
+          </p:nvPr>
+        </p:nvSpPr>
+        <p:spPr/>
+        <p:txBody>
+          <a:bodyPr/>
+          <a:lstStyle/>
+          <a:p>
+            <a:r>
+              <a:rPr lang="hu-HU" smtClean="0"/>
+              <a:t>Diplomalabor – Köő József – 2018</a:t>
+            </a:r>
+            <a:endParaRPr lang="hu-HU"/>
+          </a:p>
+        </p:txBody>
+      </p:sp>
+      <p:sp>
+        <p:nvSpPr>
+          <p:cNvPr id="4" name="Dia számának helye 3"/>
+          <p:cNvSpPr>
+            <a:spLocks noGrp="1"/>
+          </p:cNvSpPr>
+          <p:nvPr>
+            <p:ph type="sldNum" sz="quarter" idx="12"/>
+          </p:nvPr>
+        </p:nvSpPr>
+        <p:spPr/>
+        <p:txBody>
+          <a:bodyPr/>
+          <a:lstStyle/>
+          <a:p>
+            <a:fld id="{20C715D5-DF8D-44DC-9102-A238A8C56F36}" type="slidenum">
+              <a:rPr lang="hu-HU" smtClean="0"/>
+              <a:t>13</a:t>
+            </a:fld>
+            <a:endParaRPr lang="hu-HU"/>
+          </a:p>
+        </p:txBody>
+      </p:sp>
     </p:spTree>
     <p:extLst>
       <p:ext uri="{BB962C8B-B14F-4D97-AF65-F5344CB8AC3E}">
@@ -14671,6 +15348,52 @@
           </a:p>
         </p:txBody>
       </p:sp>
+      <p:sp>
+        <p:nvSpPr>
+          <p:cNvPr id="2" name="Élőláb helye 1"/>
+          <p:cNvSpPr>
+            <a:spLocks noGrp="1"/>
+          </p:cNvSpPr>
+          <p:nvPr>
+            <p:ph type="ftr" sz="quarter" idx="11"/>
+          </p:nvPr>
+        </p:nvSpPr>
+        <p:spPr/>
+        <p:txBody>
+          <a:bodyPr/>
+          <a:lstStyle/>
+          <a:p>
+            <a:r>
+              <a:rPr lang="hu-HU" smtClean="0"/>
+              <a:t>Diplomalabor – Köő József – 2018</a:t>
+            </a:r>
+            <a:endParaRPr lang="hu-HU"/>
+          </a:p>
+        </p:txBody>
+      </p:sp>
+      <p:sp>
+        <p:nvSpPr>
+          <p:cNvPr id="3" name="Dia számának helye 2"/>
+          <p:cNvSpPr>
+            <a:spLocks noGrp="1"/>
+          </p:cNvSpPr>
+          <p:nvPr>
+            <p:ph type="sldNum" sz="quarter" idx="12"/>
+          </p:nvPr>
+        </p:nvSpPr>
+        <p:spPr/>
+        <p:txBody>
+          <a:bodyPr/>
+          <a:lstStyle/>
+          <a:p>
+            <a:fld id="{20C715D5-DF8D-44DC-9102-A238A8C56F36}" type="slidenum">
+              <a:rPr lang="hu-HU" smtClean="0"/>
+              <a:t>14</a:t>
+            </a:fld>
+            <a:endParaRPr lang="hu-HU"/>
+          </a:p>
+        </p:txBody>
+      </p:sp>
     </p:spTree>
     <p:extLst>
       <p:ext uri="{BB962C8B-B14F-4D97-AF65-F5344CB8AC3E}">
@@ -14797,6 +15520,52 @@
           </a:graphicData>
         </a:graphic>
       </p:graphicFrame>
+      <p:sp>
+        <p:nvSpPr>
+          <p:cNvPr id="5" name="Élőláb helye 4"/>
+          <p:cNvSpPr>
+            <a:spLocks noGrp="1"/>
+          </p:cNvSpPr>
+          <p:nvPr>
+            <p:ph type="ftr" sz="quarter" idx="11"/>
+          </p:nvPr>
+        </p:nvSpPr>
+        <p:spPr/>
+        <p:txBody>
+          <a:bodyPr/>
+          <a:lstStyle/>
+          <a:p>
+            <a:r>
+              <a:rPr lang="hu-HU" smtClean="0"/>
+              <a:t>Diplomalabor – Köő József – 2018</a:t>
+            </a:r>
+            <a:endParaRPr lang="hu-HU"/>
+          </a:p>
+        </p:txBody>
+      </p:sp>
+      <p:sp>
+        <p:nvSpPr>
+          <p:cNvPr id="6" name="Dia számának helye 5"/>
+          <p:cNvSpPr>
+            <a:spLocks noGrp="1"/>
+          </p:cNvSpPr>
+          <p:nvPr>
+            <p:ph type="sldNum" sz="quarter" idx="12"/>
+          </p:nvPr>
+        </p:nvSpPr>
+        <p:spPr/>
+        <p:txBody>
+          <a:bodyPr/>
+          <a:lstStyle/>
+          <a:p>
+            <a:fld id="{20C715D5-DF8D-44DC-9102-A238A8C56F36}" type="slidenum">
+              <a:rPr lang="hu-HU" smtClean="0"/>
+              <a:t>15</a:t>
+            </a:fld>
+            <a:endParaRPr lang="hu-HU"/>
+          </a:p>
+        </p:txBody>
+      </p:sp>
     </p:spTree>
     <p:extLst>
       <p:ext uri="{BB962C8B-B14F-4D97-AF65-F5344CB8AC3E}">
@@ -14920,6 +15689,52 @@
           </a:p>
         </p:txBody>
       </p:sp>
+      <p:sp>
+        <p:nvSpPr>
+          <p:cNvPr id="4" name="Élőláb helye 3"/>
+          <p:cNvSpPr>
+            <a:spLocks noGrp="1"/>
+          </p:cNvSpPr>
+          <p:nvPr>
+            <p:ph type="ftr" sz="quarter" idx="11"/>
+          </p:nvPr>
+        </p:nvSpPr>
+        <p:spPr/>
+        <p:txBody>
+          <a:bodyPr/>
+          <a:lstStyle/>
+          <a:p>
+            <a:r>
+              <a:rPr lang="hu-HU" smtClean="0"/>
+              <a:t>Diplomalabor – Köő József – 2018</a:t>
+            </a:r>
+            <a:endParaRPr lang="hu-HU"/>
+          </a:p>
+        </p:txBody>
+      </p:sp>
+      <p:sp>
+        <p:nvSpPr>
+          <p:cNvPr id="5" name="Dia számának helye 4"/>
+          <p:cNvSpPr>
+            <a:spLocks noGrp="1"/>
+          </p:cNvSpPr>
+          <p:nvPr>
+            <p:ph type="sldNum" sz="quarter" idx="12"/>
+          </p:nvPr>
+        </p:nvSpPr>
+        <p:spPr/>
+        <p:txBody>
+          <a:bodyPr/>
+          <a:lstStyle/>
+          <a:p>
+            <a:fld id="{20C715D5-DF8D-44DC-9102-A238A8C56F36}" type="slidenum">
+              <a:rPr lang="hu-HU" smtClean="0"/>
+              <a:t>16</a:t>
+            </a:fld>
+            <a:endParaRPr lang="hu-HU"/>
+          </a:p>
+        </p:txBody>
+      </p:sp>
     </p:spTree>
     <p:extLst>
       <p:ext uri="{BB962C8B-B14F-4D97-AF65-F5344CB8AC3E}">
@@ -14960,7 +15775,12 @@
             <p:ph type="title"/>
           </p:nvPr>
         </p:nvSpPr>
-        <p:spPr/>
+        <p:spPr>
+          <a:xfrm>
+            <a:off x="831850" y="589150"/>
+            <a:ext cx="10515600" cy="1051391"/>
+          </a:xfrm>
+        </p:spPr>
         <p:txBody>
           <a:bodyPr/>
           <a:lstStyle/>
@@ -14983,11 +15803,138 @@
             <p:ph type="body" idx="1"/>
           </p:nvPr>
         </p:nvSpPr>
+        <p:spPr>
+          <a:xfrm>
+            <a:off x="831850" y="2366683"/>
+            <a:ext cx="10515600" cy="3722968"/>
+          </a:xfrm>
+        </p:spPr>
+        <p:txBody>
+          <a:bodyPr/>
+          <a:lstStyle/>
+          <a:p>
+            <a:r>
+              <a:rPr lang="hu-HU" dirty="0" smtClean="0"/>
+              <a:t>Elért eredmények:</a:t>
+            </a:r>
+          </a:p>
+          <a:p>
+            <a:pPr marL="342900" indent="-342900">
+              <a:buFont typeface="Arial" panose="020B0604020202020204" pitchFamily="34" charset="0"/>
+              <a:buChar char="•"/>
+            </a:pPr>
+            <a:r>
+              <a:rPr lang="hu-HU" dirty="0" smtClean="0"/>
+              <a:t>Python nyelv és </a:t>
+            </a:r>
+            <a:r>
+              <a:rPr lang="hu-HU" dirty="0" err="1" smtClean="0"/>
+              <a:t>Numpy</a:t>
+            </a:r>
+            <a:r>
+              <a:rPr lang="hu-HU" dirty="0" smtClean="0"/>
+              <a:t> könyvtár megismerése</a:t>
+            </a:r>
+          </a:p>
+          <a:p>
+            <a:pPr marL="342900" indent="-342900">
+              <a:buFont typeface="Arial" panose="020B0604020202020204" pitchFamily="34" charset="0"/>
+              <a:buChar char="•"/>
+            </a:pPr>
+            <a:r>
+              <a:rPr lang="hu-HU" dirty="0" smtClean="0"/>
+              <a:t>Cikk feldolgozása</a:t>
+            </a:r>
+          </a:p>
+          <a:p>
+            <a:pPr marL="342900" indent="-342900">
+              <a:buFont typeface="Arial" panose="020B0604020202020204" pitchFamily="34" charset="0"/>
+              <a:buChar char="•"/>
+            </a:pPr>
+            <a:r>
+              <a:rPr lang="hu-HU" dirty="0" smtClean="0"/>
+              <a:t>Háttérmodell implementálása</a:t>
+            </a:r>
+          </a:p>
+          <a:p>
+            <a:pPr marL="342900" indent="-342900">
+              <a:buFont typeface="Arial" panose="020B0604020202020204" pitchFamily="34" charset="0"/>
+              <a:buChar char="•"/>
+            </a:pPr>
+            <a:r>
+              <a:rPr lang="hu-HU" dirty="0" err="1" smtClean="0"/>
+              <a:t>Teljesítménybeli</a:t>
+            </a:r>
+            <a:r>
+              <a:rPr lang="hu-HU" dirty="0" smtClean="0"/>
+              <a:t> összehasonlítás</a:t>
+            </a:r>
+          </a:p>
+          <a:p>
+            <a:pPr marL="342900" indent="-342900">
+              <a:buFont typeface="Arial" panose="020B0604020202020204" pitchFamily="34" charset="0"/>
+              <a:buChar char="•"/>
+            </a:pPr>
+            <a:r>
+              <a:rPr lang="hu-HU" dirty="0" smtClean="0"/>
+              <a:t>Optimalizálási lehetőségek vizsgálata</a:t>
+            </a:r>
+          </a:p>
+          <a:p>
+            <a:pPr marL="342900" indent="-342900">
+              <a:buFont typeface="Arial" panose="020B0604020202020204" pitchFamily="34" charset="0"/>
+              <a:buChar char="•"/>
+            </a:pPr>
+            <a:r>
+              <a:rPr lang="hu-HU" dirty="0" smtClean="0"/>
+              <a:t>Neurális hálók megismerése</a:t>
+            </a:r>
+            <a:endParaRPr lang="hu-HU" dirty="0"/>
+          </a:p>
+        </p:txBody>
+      </p:sp>
+      <p:sp>
+        <p:nvSpPr>
+          <p:cNvPr id="2" name="Élőláb helye 1"/>
+          <p:cNvSpPr>
+            <a:spLocks noGrp="1"/>
+          </p:cNvSpPr>
+          <p:nvPr>
+            <p:ph type="ftr" sz="quarter" idx="11"/>
+          </p:nvPr>
+        </p:nvSpPr>
         <p:spPr/>
         <p:txBody>
           <a:bodyPr/>
           <a:lstStyle/>
           <a:p>
+            <a:r>
+              <a:rPr lang="hu-HU" smtClean="0"/>
+              <a:t>Diplomalabor – Köő József – 2018</a:t>
+            </a:r>
+            <a:endParaRPr lang="hu-HU"/>
+          </a:p>
+        </p:txBody>
+      </p:sp>
+      <p:sp>
+        <p:nvSpPr>
+          <p:cNvPr id="3" name="Dia számának helye 2"/>
+          <p:cNvSpPr>
+            <a:spLocks noGrp="1"/>
+          </p:cNvSpPr>
+          <p:nvPr>
+            <p:ph type="sldNum" sz="quarter" idx="12"/>
+          </p:nvPr>
+        </p:nvSpPr>
+        <p:spPr/>
+        <p:txBody>
+          <a:bodyPr/>
+          <a:lstStyle/>
+          <a:p>
+            <a:fld id="{20C715D5-DF8D-44DC-9102-A238A8C56F36}" type="slidenum">
+              <a:rPr lang="hu-HU" smtClean="0"/>
+              <a:t>17</a:t>
+            </a:fld>
             <a:endParaRPr lang="hu-HU"/>
           </a:p>
         </p:txBody>
@@ -15046,8 +15993,8 @@
               <a:t> </a:t>
             </a:r>
             <a:r>
-              <a:rPr lang="hu-HU" dirty="0" err="1" smtClean="0"/>
-              <a:t>vs</a:t>
+              <a:rPr lang="hu-HU" dirty="0" smtClean="0"/>
+              <a:t>és</a:t>
             </a:r>
             <a:r>
               <a:rPr lang="hu-HU" dirty="0" smtClean="0"/>
@@ -15056,6 +16003,29 @@
             <a:r>
               <a:rPr lang="hu-HU" dirty="0" err="1" smtClean="0"/>
               <a:t>változásdetekció</a:t>
+            </a:r>
+            <a:endParaRPr lang="hu-HU" dirty="0"/>
+          </a:p>
+        </p:txBody>
+      </p:sp>
+      <p:sp>
+        <p:nvSpPr>
+          <p:cNvPr id="6" name="Szöveg helye 5"/>
+          <p:cNvSpPr>
+            <a:spLocks noGrp="1"/>
+          </p:cNvSpPr>
+          <p:nvPr>
+            <p:ph type="body" idx="1"/>
+          </p:nvPr>
+        </p:nvSpPr>
+        <p:spPr/>
+        <p:txBody>
+          <a:bodyPr/>
+          <a:lstStyle/>
+          <a:p>
+            <a:r>
+              <a:rPr lang="hu-HU" dirty="0" err="1"/>
+              <a:t>Mozgásdetekció</a:t>
             </a:r>
             <a:endParaRPr lang="hu-HU" dirty="0"/>
           </a:p>
@@ -15068,7 +16038,7 @@
             <a:spLocks noGrp="1"/>
           </p:cNvSpPr>
           <p:nvPr>
-            <p:ph idx="1"/>
+            <p:ph sz="half" idx="2"/>
           </p:nvPr>
         </p:nvSpPr>
         <p:spPr/>
@@ -15076,19 +16046,121 @@
           <a:bodyPr/>
           <a:lstStyle/>
           <a:p>
+            <a:endParaRPr lang="hu-HU" dirty="0" smtClean="0"/>
+          </a:p>
+          <a:p>
             <a:r>
               <a:rPr lang="hu-HU" dirty="0" smtClean="0"/>
-              <a:t>Felhasználás</a:t>
+              <a:t>Objektum relatív mozgása</a:t>
             </a:r>
           </a:p>
           <a:p>
             <a:r>
               <a:rPr lang="hu-HU" dirty="0" smtClean="0"/>
-              <a:t>Süt a nap...</a:t>
-            </a:r>
-          </a:p>
-          <a:p>
+              <a:t>Háttér szeparálása</a:t>
+            </a:r>
             <a:endParaRPr lang="hu-HU" dirty="0"/>
+          </a:p>
+        </p:txBody>
+      </p:sp>
+      <p:sp>
+        <p:nvSpPr>
+          <p:cNvPr id="7" name="Szöveg helye 6"/>
+          <p:cNvSpPr>
+            <a:spLocks noGrp="1"/>
+          </p:cNvSpPr>
+          <p:nvPr>
+            <p:ph type="body" sz="quarter" idx="3"/>
+          </p:nvPr>
+        </p:nvSpPr>
+        <p:spPr/>
+        <p:txBody>
+          <a:bodyPr/>
+          <a:lstStyle/>
+          <a:p>
+            <a:r>
+              <a:rPr lang="hu-HU" dirty="0" err="1" smtClean="0"/>
+              <a:t>Változásdetekció</a:t>
+            </a:r>
+            <a:endParaRPr lang="hu-HU" dirty="0"/>
+          </a:p>
+        </p:txBody>
+      </p:sp>
+      <p:sp>
+        <p:nvSpPr>
+          <p:cNvPr id="8" name="Tartalom helye 7"/>
+          <p:cNvSpPr>
+            <a:spLocks noGrp="1"/>
+          </p:cNvSpPr>
+          <p:nvPr>
+            <p:ph sz="quarter" idx="4"/>
+          </p:nvPr>
+        </p:nvSpPr>
+        <p:spPr/>
+        <p:txBody>
+          <a:bodyPr/>
+          <a:lstStyle/>
+          <a:p>
+            <a:endParaRPr lang="hu-HU" dirty="0" smtClean="0"/>
+          </a:p>
+          <a:p>
+            <a:r>
+              <a:rPr lang="hu-HU" dirty="0" smtClean="0"/>
+              <a:t>Fényviszonyok változása</a:t>
+            </a:r>
+          </a:p>
+          <a:p>
+            <a:r>
+              <a:rPr lang="hu-HU" dirty="0" smtClean="0"/>
+              <a:t>Megfigyelőrendszer mozgása</a:t>
+            </a:r>
+            <a:endParaRPr lang="hu-HU" dirty="0"/>
+          </a:p>
+        </p:txBody>
+      </p:sp>
+      <p:sp>
+        <p:nvSpPr>
+          <p:cNvPr id="4" name="Élőláb helye 3"/>
+          <p:cNvSpPr>
+            <a:spLocks noGrp="1"/>
+          </p:cNvSpPr>
+          <p:nvPr>
+            <p:ph type="ftr" sz="quarter" idx="11"/>
+          </p:nvPr>
+        </p:nvSpPr>
+        <p:spPr/>
+        <p:txBody>
+          <a:bodyPr/>
+          <a:lstStyle/>
+          <a:p>
+            <a:r>
+              <a:rPr lang="hu-HU" smtClean="0"/>
+              <a:t>Diplomalabor – Köő József – 2018</a:t>
+            </a:r>
+            <a:endParaRPr lang="hu-HU"/>
+          </a:p>
+        </p:txBody>
+      </p:sp>
+      <p:sp>
+        <p:nvSpPr>
+          <p:cNvPr id="5" name="Dia számának helye 4"/>
+          <p:cNvSpPr>
+            <a:spLocks noGrp="1"/>
+          </p:cNvSpPr>
+          <p:nvPr>
+            <p:ph type="sldNum" sz="quarter" idx="12"/>
+          </p:nvPr>
+        </p:nvSpPr>
+        <p:spPr/>
+        <p:txBody>
+          <a:bodyPr/>
+          <a:lstStyle/>
+          <a:p>
+            <a:fld id="{20C715D5-DF8D-44DC-9102-A238A8C56F36}" type="slidenum">
+              <a:rPr lang="hu-HU" smtClean="0"/>
+              <a:t>2</a:t>
+            </a:fld>
+            <a:endParaRPr lang="hu-HU"/>
           </a:p>
         </p:txBody>
       </p:sp>
@@ -15155,15 +16227,29 @@
             <p:ph sz="half" idx="1"/>
           </p:nvPr>
         </p:nvSpPr>
-        <p:spPr/>
+        <p:spPr>
+          <a:xfrm>
+            <a:off x="838200" y="1825625"/>
+            <a:ext cx="10515600" cy="4351338"/>
+          </a:xfrm>
+        </p:spPr>
         <p:txBody>
-          <a:bodyPr/>
+          <a:bodyPr>
+            <a:normAutofit/>
+          </a:bodyPr>
           <a:lstStyle/>
+          <a:p>
+            <a:endParaRPr lang="hu-HU" dirty="0" smtClean="0"/>
+          </a:p>
           <a:p>
             <a:r>
               <a:rPr lang="hu-HU" dirty="0" smtClean="0"/>
               <a:t>MOG</a:t>
             </a:r>
+            <a:endParaRPr lang="hu-HU" dirty="0" smtClean="0"/>
+          </a:p>
+          <a:p>
+            <a:endParaRPr lang="hu-HU" dirty="0" smtClean="0"/>
           </a:p>
           <a:p>
             <a:r>
@@ -15176,9 +16262,80 @@
             </a:r>
             <a:r>
               <a:rPr lang="hu-HU" dirty="0" err="1" smtClean="0"/>
-              <a:t>substaction</a:t>
+              <a:t>substraction</a:t>
             </a:r>
             <a:endParaRPr lang="hu-HU" dirty="0" smtClean="0"/>
+          </a:p>
+          <a:p>
+            <a:endParaRPr lang="hu-HU" dirty="0" smtClean="0"/>
+          </a:p>
+          <a:p>
+            <a:r>
+              <a:rPr lang="hu-HU" dirty="0" smtClean="0"/>
+              <a:t>Apertúra probléma</a:t>
+            </a:r>
+          </a:p>
+          <a:p>
+            <a:endParaRPr lang="hu-HU" dirty="0"/>
+          </a:p>
+          <a:p>
+            <a:r>
+              <a:rPr lang="hu-HU" sz="1600" dirty="0" smtClean="0"/>
+              <a:t>Forrás: [</a:t>
+            </a:r>
+            <a:r>
+              <a:rPr lang="en-US" sz="1600" dirty="0"/>
+              <a:t>Á. </a:t>
+            </a:r>
+            <a:r>
+              <a:rPr lang="en-US" sz="1600" dirty="0" err="1" smtClean="0"/>
+              <a:t>Utasi</a:t>
+            </a:r>
+            <a:r>
+              <a:rPr lang="hu-HU" sz="1600" dirty="0"/>
+              <a:t>,</a:t>
+            </a:r>
+            <a:r>
+              <a:rPr lang="en-US" sz="1600" dirty="0" smtClean="0"/>
+              <a:t> </a:t>
+            </a:r>
+            <a:r>
+              <a:rPr lang="en-US" sz="1600" dirty="0"/>
+              <a:t>L. </a:t>
+            </a:r>
+            <a:r>
+              <a:rPr lang="en-US" sz="1600" dirty="0" err="1" smtClean="0"/>
+              <a:t>Czúni</a:t>
+            </a:r>
+            <a:r>
+              <a:rPr lang="hu-HU" sz="1600" dirty="0" smtClean="0"/>
+              <a:t> :</a:t>
+            </a:r>
+            <a:r>
+              <a:rPr lang="en-US" sz="1600" dirty="0"/>
+              <a:t>Reducing the Foreground Aperture Problem in Mixture of Gaussians </a:t>
+            </a:r>
+            <a:r>
+              <a:rPr lang="en-US" sz="1600" dirty="0" smtClean="0"/>
+              <a:t>Based</a:t>
+            </a:r>
+            <a:r>
+              <a:rPr lang="hu-HU" sz="1600" dirty="0" smtClean="0"/>
+              <a:t> </a:t>
+            </a:r>
+            <a:r>
+              <a:rPr lang="en-US" sz="1600" dirty="0" smtClean="0"/>
+              <a:t>Motion </a:t>
+            </a:r>
+            <a:r>
+              <a:rPr lang="en-US" sz="1600" dirty="0"/>
+              <a:t>Detection</a:t>
+            </a:r>
+            <a:r>
+              <a:rPr lang="hu-HU" sz="1600" dirty="0" smtClean="0"/>
+              <a:t>]</a:t>
+            </a:r>
+            <a:endParaRPr lang="hu-HU" sz="1600" dirty="0"/>
           </a:p>
           <a:p>
             <a:endParaRPr lang="hu-HU" dirty="0"/>
@@ -15187,12 +16344,12 @@
       </p:sp>
       <p:sp>
         <p:nvSpPr>
-          <p:cNvPr id="5" name="Tartalom helye 4"/>
+          <p:cNvPr id="3" name="Élőláb helye 2"/>
           <p:cNvSpPr>
             <a:spLocks noGrp="1"/>
           </p:cNvSpPr>
           <p:nvPr>
-            <p:ph sz="half" idx="2"/>
+            <p:ph type="ftr" sz="quarter" idx="11"/>
           </p:nvPr>
         </p:nvSpPr>
         <p:spPr/>
@@ -15201,28 +16358,62 @@
           <a:lstStyle/>
           <a:p>
             <a:r>
-              <a:rPr lang="hu-HU" dirty="0" smtClean="0"/>
-              <a:t>Apertúra </a:t>
-            </a:r>
-            <a:r>
-              <a:rPr lang="hu-HU" dirty="0" smtClean="0"/>
-              <a:t>probléma</a:t>
-            </a:r>
-          </a:p>
-          <a:p>
-            <a:endParaRPr lang="hu-HU" dirty="0"/>
-          </a:p>
-          <a:p>
-            <a:r>
-              <a:rPr lang="hu-HU" dirty="0"/>
-              <a:t>Hivatkozás a cikkre</a:t>
-            </a:r>
-          </a:p>
-          <a:p>
-            <a:endParaRPr lang="hu-HU" dirty="0"/>
+              <a:rPr lang="hu-HU" smtClean="0"/>
+              <a:t>Diplomalabor – Köő József – 2018</a:t>
+            </a:r>
+            <a:endParaRPr lang="hu-HU"/>
           </a:p>
         </p:txBody>
       </p:sp>
+      <p:sp>
+        <p:nvSpPr>
+          <p:cNvPr id="6" name="Dia számának helye 5"/>
+          <p:cNvSpPr>
+            <a:spLocks noGrp="1"/>
+          </p:cNvSpPr>
+          <p:nvPr>
+            <p:ph type="sldNum" sz="quarter" idx="12"/>
+          </p:nvPr>
+        </p:nvSpPr>
+        <p:spPr/>
+        <p:txBody>
+          <a:bodyPr/>
+          <a:lstStyle/>
+          <a:p>
+            <a:fld id="{20C715D5-DF8D-44DC-9102-A238A8C56F36}" type="slidenum">
+              <a:rPr lang="hu-HU" smtClean="0"/>
+              <a:t>3</a:t>
+            </a:fld>
+            <a:endParaRPr lang="hu-HU"/>
+          </a:p>
+        </p:txBody>
+      </p:sp>
+      <p:pic>
+        <p:nvPicPr>
+          <p:cNvPr id="8" name="Tartalom helye 7"/>
+          <p:cNvPicPr>
+            <a:picLocks noGrp="1" noChangeAspect="1"/>
+          </p:cNvPicPr>
+          <p:nvPr>
+            <p:ph sz="half" idx="2"/>
+          </p:nvPr>
+        </p:nvPicPr>
+        <p:blipFill>
+          <a:blip r:embed="rId2"/>
+          <a:stretch>
+            <a:fillRect/>
+          </a:stretch>
+        </p:blipFill>
+        <p:spPr>
+          <a:xfrm>
+            <a:off x="5535706" y="2480193"/>
+            <a:ext cx="6309240" cy="1804935"/>
+          </a:xfrm>
+          <a:prstGeom prst="rect">
+            <a:avLst/>
+          </a:prstGeom>
+        </p:spPr>
+      </p:pic>
     </p:spTree>
     <p:extLst>
       <p:ext uri="{BB962C8B-B14F-4D97-AF65-F5344CB8AC3E}">
@@ -15270,7 +16461,7 @@
           <a:p>
             <a:r>
               <a:rPr lang="hu-HU" dirty="0" smtClean="0"/>
-              <a:t>ötlet</a:t>
+              <a:t>Dolgozat célja</a:t>
             </a:r>
             <a:endParaRPr lang="hu-HU" dirty="0"/>
           </a:p>
@@ -15283,7 +16474,7 @@
             <a:spLocks noGrp="1"/>
           </p:cNvSpPr>
           <p:nvPr>
-            <p:ph sz="half" idx="1"/>
+            <p:ph idx="1"/>
           </p:nvPr>
         </p:nvSpPr>
         <p:spPr/>
@@ -15291,19 +16482,21 @@
           <a:bodyPr/>
           <a:lstStyle/>
           <a:p>
+            <a:endParaRPr lang="hu-HU" dirty="0" smtClean="0"/>
+          </a:p>
+          <a:p>
             <a:r>
               <a:rPr lang="hu-HU" dirty="0" smtClean="0"/>
               <a:t>Apertúraprobléma megoldása</a:t>
             </a:r>
           </a:p>
           <a:p>
-            <a:r>
-              <a:rPr lang="hu-HU" dirty="0" err="1" smtClean="0"/>
-              <a:t>Neural</a:t>
-            </a:r>
+            <a:endParaRPr lang="hu-HU" dirty="0" smtClean="0"/>
+          </a:p>
+          <a:p>
             <a:r>
               <a:rPr lang="hu-HU" dirty="0" smtClean="0"/>
-              <a:t> net</a:t>
+              <a:t>Neurális háló felhasználásával</a:t>
             </a:r>
             <a:endParaRPr lang="hu-HU" dirty="0"/>
           </a:p>
@@ -15311,12 +16504,12 @@
       </p:sp>
       <p:sp>
         <p:nvSpPr>
-          <p:cNvPr id="4" name="Tartalom helye 3"/>
+          <p:cNvPr id="5" name="Élőláb helye 4"/>
           <p:cNvSpPr>
             <a:spLocks noGrp="1"/>
           </p:cNvSpPr>
           <p:nvPr>
-            <p:ph sz="half" idx="2"/>
+            <p:ph type="ftr" sz="quarter" idx="11"/>
           </p:nvPr>
         </p:nvSpPr>
         <p:spPr/>
@@ -15324,6 +16517,33 @@
           <a:bodyPr/>
           <a:lstStyle/>
           <a:p>
+            <a:r>
+              <a:rPr lang="hu-HU" smtClean="0"/>
+              <a:t>Diplomalabor – Köő József – 2018</a:t>
+            </a:r>
+            <a:endParaRPr lang="hu-HU"/>
+          </a:p>
+        </p:txBody>
+      </p:sp>
+      <p:sp>
+        <p:nvSpPr>
+          <p:cNvPr id="6" name="Dia számának helye 5"/>
+          <p:cNvSpPr>
+            <a:spLocks noGrp="1"/>
+          </p:cNvSpPr>
+          <p:nvPr>
+            <p:ph type="sldNum" sz="quarter" idx="12"/>
+          </p:nvPr>
+        </p:nvSpPr>
+        <p:spPr/>
+        <p:txBody>
+          <a:bodyPr/>
+          <a:lstStyle/>
+          <a:p>
+            <a:fld id="{20C715D5-DF8D-44DC-9102-A238A8C56F36}" type="slidenum">
+              <a:rPr lang="hu-HU" smtClean="0"/>
+              <a:t>4</a:t>
+            </a:fld>
             <a:endParaRPr lang="hu-HU"/>
           </a:p>
         </p:txBody>
@@ -15388,7 +16608,7 @@
             <a:spLocks noGrp="1"/>
           </p:cNvSpPr>
           <p:nvPr>
-            <p:ph sz="half" idx="1"/>
+            <p:ph idx="1"/>
           </p:nvPr>
         </p:nvSpPr>
         <p:spPr/>
@@ -15397,6 +16617,23 @@
           <a:lstStyle/>
           <a:p>
             <a:r>
+              <a:rPr lang="hu-HU" dirty="0" smtClean="0"/>
+              <a:t>Gépi tanulási algoritmus</a:t>
+            </a:r>
+          </a:p>
+          <a:p>
+            <a:r>
+              <a:rPr lang="hu-HU" dirty="0" err="1" smtClean="0"/>
+              <a:t>Konvolúciós</a:t>
+            </a:r>
+            <a:r>
+              <a:rPr lang="hu-HU" dirty="0" smtClean="0"/>
+              <a:t> háló</a:t>
+            </a:r>
+            <a:endParaRPr lang="hu-HU" dirty="0"/>
+          </a:p>
+          <a:p>
+            <a:r>
               <a:rPr lang="hu-HU" dirty="0" err="1" smtClean="0"/>
               <a:t>Autoencoder</a:t>
             </a:r>
@@ -15405,35 +16642,44 @@
           <a:p>
             <a:r>
               <a:rPr lang="hu-HU" dirty="0" err="1" smtClean="0"/>
-              <a:t>Cafe</a:t>
-            </a:r>
-            <a:r>
-              <a:rPr lang="hu-HU" dirty="0" smtClean="0"/>
-              <a:t> 2</a:t>
-            </a:r>
-          </a:p>
-          <a:p>
+              <a:t>TensorFlow</a:t>
+            </a:r>
             <a:endParaRPr lang="hu-HU" dirty="0" smtClean="0"/>
           </a:p>
           <a:p>
             <a:r>
-              <a:rPr lang="hu-HU" dirty="0" smtClean="0"/>
-              <a:t>Bemenet</a:t>
-            </a:r>
-          </a:p>
-          <a:p>
+              <a:rPr lang="hu-HU" dirty="0"/>
+              <a:t>Caffe2 </a:t>
+            </a:r>
+            <a:r>
+              <a:rPr lang="hu-HU" sz="1800" dirty="0"/>
+              <a:t>(https://caffe2.ai</a:t>
+            </a:r>
+            <a:r>
+              <a:rPr lang="hu-HU" sz="1800" dirty="0" smtClean="0"/>
+              <a:t>/)</a:t>
+            </a:r>
+            <a:endParaRPr lang="hu-HU" dirty="0" smtClean="0"/>
+          </a:p>
+          <a:p>
+            <a:endParaRPr lang="hu-HU" dirty="0" smtClean="0"/>
+          </a:p>
+          <a:p>
+            <a:pPr marL="0" indent="0">
+              <a:buNone/>
+            </a:pPr>
             <a:endParaRPr lang="hu-HU" dirty="0"/>
           </a:p>
         </p:txBody>
       </p:sp>
       <p:sp>
         <p:nvSpPr>
-          <p:cNvPr id="4" name="Tartalom helye 3"/>
+          <p:cNvPr id="5" name="Élőláb helye 4"/>
           <p:cNvSpPr>
             <a:spLocks noGrp="1"/>
           </p:cNvSpPr>
           <p:nvPr>
-            <p:ph sz="half" idx="2"/>
+            <p:ph type="ftr" sz="quarter" idx="11"/>
           </p:nvPr>
         </p:nvSpPr>
         <p:spPr/>
@@ -15441,10 +16687,182 @@
           <a:bodyPr/>
           <a:lstStyle/>
           <a:p>
+            <a:r>
+              <a:rPr lang="hu-HU" smtClean="0"/>
+              <a:t>Diplomalabor – Köő József – 2018</a:t>
+            </a:r>
             <a:endParaRPr lang="hu-HU"/>
           </a:p>
         </p:txBody>
       </p:sp>
+      <p:sp>
+        <p:nvSpPr>
+          <p:cNvPr id="6" name="Dia számának helye 5"/>
+          <p:cNvSpPr>
+            <a:spLocks noGrp="1"/>
+          </p:cNvSpPr>
+          <p:nvPr>
+            <p:ph type="sldNum" sz="quarter" idx="12"/>
+          </p:nvPr>
+        </p:nvSpPr>
+        <p:spPr/>
+        <p:txBody>
+          <a:bodyPr/>
+          <a:lstStyle/>
+          <a:p>
+            <a:fld id="{20C715D5-DF8D-44DC-9102-A238A8C56F36}" type="slidenum">
+              <a:rPr lang="hu-HU" smtClean="0"/>
+              <a:t>5</a:t>
+            </a:fld>
+            <a:endParaRPr lang="hu-HU"/>
+          </a:p>
+        </p:txBody>
+      </p:sp>
+      <p:sp>
+        <p:nvSpPr>
+          <p:cNvPr id="7" name="AutoShape 2" descr="Caffe2"/>
+          <p:cNvSpPr>
+            <a:spLocks noChangeAspect="1" noChangeArrowheads="1"/>
+          </p:cNvSpPr>
+          <p:nvPr/>
+        </p:nvSpPr>
+        <p:spPr bwMode="auto">
+          <a:xfrm>
+            <a:off x="155575" y="-144463"/>
+            <a:ext cx="304800" cy="304801"/>
+          </a:xfrm>
+          <a:prstGeom prst="rect">
+            <a:avLst/>
+          </a:prstGeom>
+          <a:noFill/>
+          <a:extLst>
+            <a:ext uri="{909E8E84-426E-40DD-AFC4-6F175D3DCCD1}">
+              <a14:hiddenFill xmlns:a14="http://schemas.microsoft.com/office/drawing/2010/main">
+                <a:solidFill>
+                  <a:srgbClr val="FFFFFF"/>
+                </a:solidFill>
+              </a14:hiddenFill>
+            </a:ext>
+          </a:extLst>
+        </p:spPr>
+        <p:txBody>
+          <a:bodyPr vert="horz" wrap="square" lIns="91440" tIns="45720" rIns="91440" bIns="45720" numCol="1" anchor="t" anchorCtr="0" compatLnSpc="1">
+            <a:prstTxWarp prst="textNoShape">
+              <a:avLst/>
+            </a:prstTxWarp>
+          </a:bodyPr>
+          <a:lstStyle/>
+          <a:p>
+            <a:endParaRPr lang="hu-HU"/>
+          </a:p>
+        </p:txBody>
+      </p:sp>
+      <p:pic>
+        <p:nvPicPr>
+          <p:cNvPr id="9" name="Kép 8"/>
+          <p:cNvPicPr>
+            <a:picLocks noChangeAspect="1"/>
+          </p:cNvPicPr>
+          <p:nvPr/>
+        </p:nvPicPr>
+        <p:blipFill>
+          <a:blip r:embed="rId2"/>
+          <a:stretch>
+            <a:fillRect/>
+          </a:stretch>
+        </p:blipFill>
+        <p:spPr>
+          <a:xfrm>
+            <a:off x="1812271" y="4495612"/>
+            <a:ext cx="2390775" cy="904875"/>
+          </a:xfrm>
+          <a:prstGeom prst="rect">
+            <a:avLst/>
+          </a:prstGeom>
+        </p:spPr>
+      </p:pic>
+      <p:pic>
+        <p:nvPicPr>
+          <p:cNvPr id="1030" name="Picture 6" descr="https://upload.wikimedia.org/wikipedia/commons/2/28/Autoencoder_structure.png"/>
+          <p:cNvPicPr>
+            <a:picLocks noChangeAspect="1" noChangeArrowheads="1"/>
+          </p:cNvPicPr>
+          <p:nvPr/>
+        </p:nvPicPr>
+        <p:blipFill>
+          <a:blip r:embed="rId3">
+            <a:extLst>
+              <a:ext uri="{28A0092B-C50C-407E-A947-70E740481C1C}">
+                <a14:useLocalDpi xmlns:a14="http://schemas.microsoft.com/office/drawing/2010/main" val="0"/>
+              </a:ext>
+            </a:extLst>
+          </a:blip>
+          <a:srcRect/>
+          <a:stretch>
+            <a:fillRect/>
+          </a:stretch>
+        </p:blipFill>
+        <p:spPr bwMode="auto">
+          <a:xfrm>
+            <a:off x="7413929" y="1510553"/>
+            <a:ext cx="3939871" cy="2944719"/>
+          </a:xfrm>
+          <a:prstGeom prst="rect">
+            <a:avLst/>
+          </a:prstGeom>
+          <a:noFill/>
+          <a:extLst>
+            <a:ext uri="{909E8E84-426E-40DD-AFC4-6F175D3DCCD1}">
+              <a14:hiddenFill xmlns:a14="http://schemas.microsoft.com/office/drawing/2010/main">
+                <a:solidFill>
+                  <a:srgbClr val="FFFFFF"/>
+                </a:solidFill>
+              </a14:hiddenFill>
+            </a:ext>
+          </a:extLst>
+        </p:spPr>
+      </p:pic>
+      <p:pic>
+        <p:nvPicPr>
+          <p:cNvPr id="1032" name="Picture 8" descr="TensorFlowLogo.svg"/>
+          <p:cNvPicPr>
+            <a:picLocks noChangeAspect="1" noChangeArrowheads="1"/>
+          </p:cNvPicPr>
+          <p:nvPr/>
+        </p:nvPicPr>
+        <p:blipFill>
+          <a:blip r:embed="rId4">
+            <a:extLst>
+              <a:ext uri="{28A0092B-C50C-407E-A947-70E740481C1C}">
+                <a14:useLocalDpi xmlns:a14="http://schemas.microsoft.com/office/drawing/2010/main" val="0"/>
+              </a:ext>
+            </a:extLst>
+          </a:blip>
+          <a:srcRect/>
+          <a:stretch>
+            <a:fillRect/>
+          </a:stretch>
+        </p:blipFill>
+        <p:spPr bwMode="auto">
+          <a:xfrm>
+            <a:off x="4727575" y="3204973"/>
+            <a:ext cx="2095500" cy="1743076"/>
+          </a:xfrm>
+          <a:prstGeom prst="rect">
+            <a:avLst/>
+          </a:prstGeom>
+          <a:noFill/>
+          <a:extLst>
+            <a:ext uri="{909E8E84-426E-40DD-AFC4-6F175D3DCCD1}">
+              <a14:hiddenFill xmlns:a14="http://schemas.microsoft.com/office/drawing/2010/main">
+                <a:solidFill>
+                  <a:srgbClr val="FFFFFF"/>
+                </a:solidFill>
+              </a14:hiddenFill>
+            </a:ext>
+          </a:extLst>
+        </p:spPr>
+      </p:pic>
     </p:spTree>
     <p:extLst>
       <p:ext uri="{BB962C8B-B14F-4D97-AF65-F5344CB8AC3E}">
@@ -15508,25 +16926,133 @@
             <p:ph idx="1"/>
           </p:nvPr>
         </p:nvSpPr>
+        <p:spPr>
+          <a:xfrm>
+            <a:off x="1936376" y="1825625"/>
+            <a:ext cx="9417424" cy="4351338"/>
+          </a:xfrm>
+        </p:spPr>
+        <p:txBody>
+          <a:bodyPr/>
+          <a:lstStyle/>
+          <a:p>
+            <a:r>
+              <a:rPr lang="hu-HU" dirty="0" smtClean="0"/>
+              <a:t>Python</a:t>
+            </a:r>
+          </a:p>
+          <a:p>
+            <a:endParaRPr lang="hu-HU" dirty="0"/>
+          </a:p>
+          <a:p>
+            <a:endParaRPr lang="hu-HU" dirty="0" smtClean="0"/>
+          </a:p>
+          <a:p>
+            <a:endParaRPr lang="hu-HU" dirty="0" smtClean="0"/>
+          </a:p>
+          <a:p>
+            <a:r>
+              <a:rPr lang="hu-HU" dirty="0" err="1" smtClean="0"/>
+              <a:t>Numpy</a:t>
+            </a:r>
+            <a:endParaRPr lang="hu-HU" dirty="0"/>
+          </a:p>
+        </p:txBody>
+      </p:sp>
+      <p:sp>
+        <p:nvSpPr>
+          <p:cNvPr id="3" name="Élőláb helye 2"/>
+          <p:cNvSpPr>
+            <a:spLocks noGrp="1"/>
+          </p:cNvSpPr>
+          <p:nvPr>
+            <p:ph type="ftr" sz="quarter" idx="11"/>
+          </p:nvPr>
+        </p:nvSpPr>
         <p:spPr/>
         <p:txBody>
           <a:bodyPr/>
           <a:lstStyle/>
           <a:p>
             <a:r>
-              <a:rPr lang="hu-HU" dirty="0" smtClean="0"/>
-              <a:t>Python</a:t>
-            </a:r>
-          </a:p>
-          <a:p>
-            <a:r>
-              <a:rPr lang="hu-HU" dirty="0" err="1" smtClean="0"/>
-              <a:t>Numpy</a:t>
-            </a:r>
-            <a:endParaRPr lang="hu-HU" dirty="0"/>
+              <a:rPr lang="hu-HU" smtClean="0"/>
+              <a:t>Diplomalabor – Köő József – 2018</a:t>
+            </a:r>
+            <a:endParaRPr lang="hu-HU"/>
           </a:p>
         </p:txBody>
       </p:sp>
+      <p:sp>
+        <p:nvSpPr>
+          <p:cNvPr id="4" name="Dia számának helye 3"/>
+          <p:cNvSpPr>
+            <a:spLocks noGrp="1"/>
+          </p:cNvSpPr>
+          <p:nvPr>
+            <p:ph type="sldNum" sz="quarter" idx="12"/>
+          </p:nvPr>
+        </p:nvSpPr>
+        <p:spPr/>
+        <p:txBody>
+          <a:bodyPr/>
+          <a:lstStyle/>
+          <a:p>
+            <a:fld id="{20C715D5-DF8D-44DC-9102-A238A8C56F36}" type="slidenum">
+              <a:rPr lang="hu-HU" smtClean="0"/>
+              <a:t>6</a:t>
+            </a:fld>
+            <a:endParaRPr lang="hu-HU"/>
+          </a:p>
+        </p:txBody>
+      </p:sp>
+      <p:pic>
+        <p:nvPicPr>
+          <p:cNvPr id="6" name="Kép 5"/>
+          <p:cNvPicPr>
+            <a:picLocks noChangeAspect="1"/>
+          </p:cNvPicPr>
+          <p:nvPr/>
+        </p:nvPicPr>
+        <p:blipFill>
+          <a:blip r:embed="rId2"/>
+          <a:stretch>
+            <a:fillRect/>
+          </a:stretch>
+        </p:blipFill>
+        <p:spPr>
+          <a:xfrm>
+            <a:off x="4585447" y="1762404"/>
+            <a:ext cx="2589510" cy="826225"/>
+          </a:xfrm>
+          <a:prstGeom prst="rect">
+            <a:avLst/>
+          </a:prstGeom>
+        </p:spPr>
+      </p:pic>
+      <p:pic>
+        <p:nvPicPr>
+          <p:cNvPr id="7" name="Kép 6"/>
+          <p:cNvPicPr>
+            <a:picLocks noChangeAspect="1"/>
+          </p:cNvPicPr>
+          <p:nvPr/>
+        </p:nvPicPr>
+        <p:blipFill>
+          <a:blip r:embed="rId3"/>
+          <a:stretch>
+            <a:fillRect/>
+          </a:stretch>
+        </p:blipFill>
+        <p:spPr>
+          <a:xfrm>
+            <a:off x="4585447" y="3797301"/>
+            <a:ext cx="2589510" cy="939053"/>
+          </a:xfrm>
+          <a:prstGeom prst="rect">
+            <a:avLst/>
+          </a:prstGeom>
+        </p:spPr>
+      </p:pic>
     </p:spTree>
     <p:extLst>
       <p:ext uri="{BB962C8B-B14F-4D97-AF65-F5344CB8AC3E}">
@@ -15622,7 +17148,7 @@
         </p:nvSpPr>
         <p:spPr>
           <a:xfrm>
-            <a:off x="839788" y="3144839"/>
+            <a:off x="839787" y="2884293"/>
             <a:ext cx="5157787" cy="3044824"/>
           </a:xfrm>
         </p:spPr>
@@ -15686,7 +17212,7 @@
         </p:nvSpPr>
         <p:spPr>
           <a:xfrm>
-            <a:off x="6172200" y="3144839"/>
+            <a:off x="6172200" y="2884294"/>
             <a:ext cx="5183188" cy="3044823"/>
           </a:xfrm>
         </p:spPr>
@@ -15732,7 +17258,7 @@
         <p:spPr bwMode="auto">
           <a:xfrm>
             <a:off x="3842170" y="1532872"/>
-            <a:ext cx="1676400" cy="1495426"/>
+            <a:ext cx="1089857" cy="972203"/>
           </a:xfrm>
           <a:prstGeom prst="rect">
             <a:avLst/>
@@ -15773,7 +17299,7 @@
         <p:spPr bwMode="auto">
           <a:xfrm>
             <a:off x="9155861" y="1301944"/>
-            <a:ext cx="2199527" cy="2190363"/>
+            <a:ext cx="1510301" cy="1504009"/>
           </a:xfrm>
           <a:prstGeom prst="rect">
             <a:avLst/>
@@ -15788,6 +17314,106 @@
               </a14:hiddenFill>
             </a:ext>
           </a:extLst>
+        </p:spPr>
+      </p:pic>
+      <p:sp>
+        <p:nvSpPr>
+          <p:cNvPr id="3" name="Élőláb helye 2"/>
+          <p:cNvSpPr>
+            <a:spLocks noGrp="1"/>
+          </p:cNvSpPr>
+          <p:nvPr>
+            <p:ph type="ftr" sz="quarter" idx="11"/>
+          </p:nvPr>
+        </p:nvSpPr>
+        <p:spPr/>
+        <p:txBody>
+          <a:bodyPr/>
+          <a:lstStyle/>
+          <a:p>
+            <a:r>
+              <a:rPr lang="hu-HU" smtClean="0"/>
+              <a:t>Diplomalabor – Köő József – 2018</a:t>
+            </a:r>
+            <a:endParaRPr lang="hu-HU"/>
+          </a:p>
+        </p:txBody>
+      </p:sp>
+      <p:sp>
+        <p:nvSpPr>
+          <p:cNvPr id="4" name="Dia számának helye 3"/>
+          <p:cNvSpPr>
+            <a:spLocks noGrp="1"/>
+          </p:cNvSpPr>
+          <p:nvPr>
+            <p:ph type="sldNum" sz="quarter" idx="12"/>
+          </p:nvPr>
+        </p:nvSpPr>
+        <p:spPr/>
+        <p:txBody>
+          <a:bodyPr/>
+          <a:lstStyle/>
+          <a:p>
+            <a:fld id="{20C715D5-DF8D-44DC-9102-A238A8C56F36}" type="slidenum">
+              <a:rPr lang="hu-HU" smtClean="0"/>
+              <a:t>7</a:t>
+            </a:fld>
+            <a:endParaRPr lang="hu-HU"/>
+          </a:p>
+        </p:txBody>
+      </p:sp>
+      <p:sp>
+        <p:nvSpPr>
+          <p:cNvPr id="5" name="Szövegdoboz 4"/>
+          <p:cNvSpPr txBox="1"/>
+          <p:nvPr/>
+        </p:nvSpPr>
+        <p:spPr>
+          <a:xfrm flipH="1">
+            <a:off x="4235594" y="4895632"/>
+            <a:ext cx="2703089" cy="646331"/>
+          </a:xfrm>
+          <a:prstGeom prst="rect">
+            <a:avLst/>
+          </a:prstGeom>
+          <a:noFill/>
+        </p:spPr>
+        <p:txBody>
+          <a:bodyPr wrap="square" rtlCol="0">
+            <a:spAutoFit/>
+          </a:bodyPr>
+          <a:lstStyle/>
+          <a:p>
+            <a:r>
+              <a:rPr lang="hu-HU" sz="3600" b="1" dirty="0" err="1" smtClean="0"/>
+              <a:t>PyCharm</a:t>
+            </a:r>
+            <a:endParaRPr lang="hu-HU" sz="3600" b="1" dirty="0" smtClean="0"/>
+          </a:p>
+        </p:txBody>
+      </p:sp>
+      <p:pic>
+        <p:nvPicPr>
+          <p:cNvPr id="12" name="Kép 11"/>
+          <p:cNvPicPr>
+            <a:picLocks noChangeAspect="1"/>
+          </p:cNvPicPr>
+          <p:nvPr/>
+        </p:nvPicPr>
+        <p:blipFill>
+          <a:blip r:embed="rId4"/>
+          <a:stretch>
+            <a:fillRect/>
+          </a:stretch>
+        </p:blipFill>
+        <p:spPr>
+          <a:xfrm>
+            <a:off x="6613711" y="4260883"/>
+            <a:ext cx="1905000" cy="1704975"/>
+          </a:xfrm>
+          <a:prstGeom prst="rect">
+            <a:avLst/>
+          </a:prstGeom>
         </p:spPr>
       </p:pic>
     </p:spTree>
@@ -15961,6 +17587,52 @@
           </a:prstGeom>
         </p:spPr>
       </p:pic>
+      <p:sp>
+        <p:nvSpPr>
+          <p:cNvPr id="3" name="Élőláb helye 2"/>
+          <p:cNvSpPr>
+            <a:spLocks noGrp="1"/>
+          </p:cNvSpPr>
+          <p:nvPr>
+            <p:ph type="ftr" sz="quarter" idx="11"/>
+          </p:nvPr>
+        </p:nvSpPr>
+        <p:spPr/>
+        <p:txBody>
+          <a:bodyPr/>
+          <a:lstStyle/>
+          <a:p>
+            <a:r>
+              <a:rPr lang="hu-HU" smtClean="0"/>
+              <a:t>Diplomalabor – Köő József – 2018</a:t>
+            </a:r>
+            <a:endParaRPr lang="hu-HU"/>
+          </a:p>
+        </p:txBody>
+      </p:sp>
+      <p:sp>
+        <p:nvSpPr>
+          <p:cNvPr id="4" name="Dia számának helye 3"/>
+          <p:cNvSpPr>
+            <a:spLocks noGrp="1"/>
+          </p:cNvSpPr>
+          <p:nvPr>
+            <p:ph type="sldNum" sz="quarter" idx="12"/>
+          </p:nvPr>
+        </p:nvSpPr>
+        <p:spPr/>
+        <p:txBody>
+          <a:bodyPr/>
+          <a:lstStyle/>
+          <a:p>
+            <a:fld id="{20C715D5-DF8D-44DC-9102-A238A8C56F36}" type="slidenum">
+              <a:rPr lang="hu-HU" smtClean="0"/>
+              <a:t>8</a:t>
+            </a:fld>
+            <a:endParaRPr lang="hu-HU"/>
+          </a:p>
+        </p:txBody>
+      </p:sp>
     </p:spTree>
     <p:extLst>
       <p:ext uri="{BB962C8B-B14F-4D97-AF65-F5344CB8AC3E}">
@@ -16077,6 +17749,52 @@
           </a:prstGeom>
         </p:spPr>
       </p:pic>
+      <p:sp>
+        <p:nvSpPr>
+          <p:cNvPr id="5" name="Élőláb helye 4"/>
+          <p:cNvSpPr>
+            <a:spLocks noGrp="1"/>
+          </p:cNvSpPr>
+          <p:nvPr>
+            <p:ph type="ftr" sz="quarter" idx="11"/>
+          </p:nvPr>
+        </p:nvSpPr>
+        <p:spPr/>
+        <p:txBody>
+          <a:bodyPr/>
+          <a:lstStyle/>
+          <a:p>
+            <a:r>
+              <a:rPr lang="hu-HU" smtClean="0"/>
+              <a:t>Diplomalabor – Köő József – 2018</a:t>
+            </a:r>
+            <a:endParaRPr lang="hu-HU"/>
+          </a:p>
+        </p:txBody>
+      </p:sp>
+      <p:sp>
+        <p:nvSpPr>
+          <p:cNvPr id="6" name="Dia számának helye 5"/>
+          <p:cNvSpPr>
+            <a:spLocks noGrp="1"/>
+          </p:cNvSpPr>
+          <p:nvPr>
+            <p:ph type="sldNum" sz="quarter" idx="12"/>
+          </p:nvPr>
+        </p:nvSpPr>
+        <p:spPr/>
+        <p:txBody>
+          <a:bodyPr/>
+          <a:lstStyle/>
+          <a:p>
+            <a:fld id="{20C715D5-DF8D-44DC-9102-A238A8C56F36}" type="slidenum">
+              <a:rPr lang="hu-HU" smtClean="0"/>
+              <a:t>9</a:t>
+            </a:fld>
+            <a:endParaRPr lang="hu-HU"/>
+          </a:p>
+        </p:txBody>
+      </p:sp>
     </p:spTree>
     <p:extLst>
       <p:ext uri="{BB962C8B-B14F-4D97-AF65-F5344CB8AC3E}">
@@ -16349,4 +18067,265 @@
     </a:ext>
   </a:extLst>
 </a:theme>
+</file>
+
+<file path=ppt/theme/theme2.xml><?xml version="1.0" encoding="utf-8"?>
+<a:theme xmlns:a="http://schemas.openxmlformats.org/drawingml/2006/main" name="Office-téma">
+  <a:themeElements>
+    <a:clrScheme name="Office">
+      <a:dk1>
+        <a:sysClr val="windowText" lastClr="000000"/>
+      </a:dk1>
+      <a:lt1>
+        <a:sysClr val="window" lastClr="FFFFFF"/>
+      </a:lt1>
+      <a:dk2>
+        <a:srgbClr val="44546A"/>
+      </a:dk2>
+      <a:lt2>
+        <a:srgbClr val="E7E6E6"/>
+      </a:lt2>
+      <a:accent1>
+        <a:srgbClr val="5B9BD5"/>
+      </a:accent1>
+      <a:accent2>
+        <a:srgbClr val="ED7D31"/>
+      </a:accent2>
+      <a:accent3>
+        <a:srgbClr val="A5A5A5"/>
+      </a:accent3>
+      <a:accent4>
+        <a:srgbClr val="FFC000"/>
+      </a:accent4>
+      <a:accent5>
+        <a:srgbClr val="4472C4"/>
+      </a:accent5>
+      <a:accent6>
+        <a:srgbClr val="70AD47"/>
+      </a:accent6>
+      <a:hlink>
+        <a:srgbClr val="0563C1"/>
+      </a:hlink>
+      <a:folHlink>
+        <a:srgbClr val="954F72"/>
+      </a:folHlink>
+    </a:clrScheme>
+    <a:fontScheme name="Office">
+      <a:majorFont>
+        <a:latin typeface="Calibri Light" panose="020F0302020204030204"/>
+        <a:ea typeface=""/>
+        <a:cs typeface=""/>
+        <a:font script="Jpan" typeface="游ゴシック Light"/>
+        <a:font script="Hang" typeface="맑은 고딕"/>
+        <a:font script="Hans" typeface="等线 Light"/>
+        <a:font script="Hant" typeface="新細明體"/>
+        <a:font script="Arab" typeface="Times New Roman"/>
+        <a:font script="Hebr" typeface="Times New Roman"/>
+        <a:font script="Thai" typeface="Angsana New"/>
+        <a:font script="Ethi" typeface="Nyala"/>
+        <a:font script="Beng" typeface="Vrinda"/>
+        <a:font script="Gujr" typeface="Shruti"/>
+        <a:font script="Khmr" typeface="MoolBoran"/>
+        <a:font script="Knda" typeface="Tunga"/>
+        <a:font script="Guru" typeface="Raavi"/>
+        <a:font script="Cans" typeface="Euphemia"/>
+        <a:font script="Cher" typeface="Plantagenet Cherokee"/>
+        <a:font script="Yiii" typeface="Microsoft Yi Baiti"/>
+        <a:font script="Tibt" typeface="Microsoft Himalaya"/>
+        <a:font script="Thaa" typeface="MV Boli"/>
+        <a:font script="Deva" typeface="Mangal"/>
+        <a:font script="Telu" typeface="Gautami"/>
+        <a:font script="Taml" typeface="Latha"/>
+        <a:font script="Syrc" typeface="Estrangelo Edessa"/>
+        <a:font script="Orya" typeface="Kalinga"/>
+        <a:font script="Mlym" typeface="Kartika"/>
+        <a:font script="Laoo" typeface="DokChampa"/>
+        <a:font script="Sinh" typeface="Iskoola Pota"/>
+        <a:font script="Mong" typeface="Mongolian Baiti"/>
+        <a:font script="Viet" typeface="Times New Roman"/>
+        <a:font script="Uigh" typeface="Microsoft Uighur"/>
+        <a:font script="Geor" typeface="Sylfaen"/>
+      </a:majorFont>
+      <a:minorFont>
+        <a:latin typeface="Calibri" panose="020F0502020204030204"/>
+        <a:ea typeface=""/>
+        <a:cs typeface=""/>
+        <a:font script="Jpan" typeface="游ゴシック"/>
+        <a:font script="Hang" typeface="맑은 고딕"/>
+        <a:font script="Hans" typeface="等线"/>
+        <a:font script="Hant" typeface="新細明體"/>
+        <a:font script="Arab" typeface="Arial"/>
+        <a:font script="Hebr" typeface="Arial"/>
+        <a:font script="Thai" typeface="Cordia New"/>
+        <a:font script="Ethi" typeface="Nyala"/>
+        <a:font script="Beng" typeface="Vrinda"/>
+        <a:font script="Gujr" typeface="Shruti"/>
+        <a:font script="Khmr" typeface="DaunPenh"/>
+        <a:font script="Knda" typeface="Tunga"/>
+        <a:font script="Guru" typeface="Raavi"/>
+        <a:font script="Cans" typeface="Euphemia"/>
+        <a:font script="Cher" typeface="Plantagenet Cherokee"/>
+        <a:font script="Yiii" typeface="Microsoft Yi Baiti"/>
+        <a:font script="Tibt" typeface="Microsoft Himalaya"/>
+        <a:font script="Thaa" typeface="MV Boli"/>
+        <a:font script="Deva" typeface="Mangal"/>
+        <a:font script="Telu" typeface="Gautami"/>
+        <a:font script="Taml" typeface="Latha"/>
+        <a:font script="Syrc" typeface="Estrangelo Edessa"/>
+        <a:font script="Orya" typeface="Kalinga"/>
+        <a:font script="Mlym" typeface="Kartika"/>
+        <a:font script="Laoo" typeface="DokChampa"/>
+        <a:font script="Sinh" typeface="Iskoola Pota"/>
+        <a:font script="Mong" typeface="Mongolian Baiti"/>
+        <a:font script="Viet" typeface="Arial"/>
+        <a:font script="Uigh" typeface="Microsoft Uighur"/>
+        <a:font script="Geor" typeface="Sylfaen"/>
+      </a:minorFont>
+    </a:fontScheme>
+    <a:fmtScheme name="Office">
+      <a:fillStyleLst>
+        <a:solidFill>
+          <a:schemeClr val="phClr"/>
+        </a:solidFill>
+        <a:gradFill rotWithShape="1">
+          <a:gsLst>
+            <a:gs pos="0">
+              <a:schemeClr val="phClr">
+                <a:lumMod val="110000"/>
+                <a:satMod val="105000"/>
+                <a:tint val="67000"/>
+              </a:schemeClr>
+            </a:gs>
+            <a:gs pos="50000">
+              <a:schemeClr val="phClr">
+                <a:lumMod val="105000"/>
+                <a:satMod val="103000"/>
+                <a:tint val="73000"/>
+              </a:schemeClr>
+            </a:gs>
+            <a:gs pos="100000">
+              <a:schemeClr val="phClr">
+                <a:lumMod val="105000"/>
+                <a:satMod val="109000"/>
+                <a:tint val="81000"/>
+              </a:schemeClr>
+            </a:gs>
+          </a:gsLst>
+          <a:lin ang="5400000" scaled="0"/>
+        </a:gradFill>
+        <a:gradFill rotWithShape="1">
+          <a:gsLst>
+            <a:gs pos="0">
+              <a:schemeClr val="phClr">
+                <a:satMod val="103000"/>
+                <a:lumMod val="102000"/>
+                <a:tint val="94000"/>
+              </a:schemeClr>
+            </a:gs>
+            <a:gs pos="50000">
+              <a:schemeClr val="phClr">
+                <a:satMod val="110000"/>
+                <a:lumMod val="100000"/>
+                <a:shade val="100000"/>
+              </a:schemeClr>
+            </a:gs>
+            <a:gs pos="100000">
+              <a:schemeClr val="phClr">
+                <a:lumMod val="99000"/>
+                <a:satMod val="120000"/>
+                <a:shade val="78000"/>
+              </a:schemeClr>
+            </a:gs>
+          </a:gsLst>
+          <a:lin ang="5400000" scaled="0"/>
+        </a:gradFill>
+      </a:fillStyleLst>
+      <a:lnStyleLst>
+        <a:ln w="6350" cap="flat" cmpd="sng" algn="ctr">
+          <a:solidFill>
+            <a:schemeClr val="phClr"/>
+          </a:solidFill>
+          <a:prstDash val="solid"/>
+          <a:miter lim="800000"/>
+        </a:ln>
+        <a:ln w="12700" cap="flat" cmpd="sng" algn="ctr">
+          <a:solidFill>
+            <a:schemeClr val="phClr"/>
+          </a:solidFill>
+          <a:prstDash val="solid"/>
+          <a:miter lim="800000"/>
+        </a:ln>
+        <a:ln w="19050" cap="flat" cmpd="sng" algn="ctr">
+          <a:solidFill>
+            <a:schemeClr val="phClr"/>
+          </a:solidFill>
+          <a:prstDash val="solid"/>
+          <a:miter lim="800000"/>
+        </a:ln>
+      </a:lnStyleLst>
+      <a:effectStyleLst>
+        <a:effectStyle>
+          <a:effectLst/>
+        </a:effectStyle>
+        <a:effectStyle>
+          <a:effectLst/>
+        </a:effectStyle>
+        <a:effectStyle>
+          <a:effectLst>
+            <a:outerShdw blurRad="57150" dist="19050" dir="5400000" algn="ctr" rotWithShape="0">
+              <a:srgbClr val="000000">
+                <a:alpha val="63000"/>
+              </a:srgbClr>
+            </a:outerShdw>
+          </a:effectLst>
+        </a:effectStyle>
+      </a:effectStyleLst>
+      <a:bgFillStyleLst>
+        <a:solidFill>
+          <a:schemeClr val="phClr"/>
+        </a:solidFill>
+        <a:solidFill>
+          <a:schemeClr val="phClr">
+            <a:tint val="95000"/>
+            <a:satMod val="170000"/>
+          </a:schemeClr>
+        </a:solidFill>
+        <a:gradFill rotWithShape="1">
+          <a:gsLst>
+            <a:gs pos="0">
+              <a:schemeClr val="phClr">
+                <a:tint val="93000"/>
+                <a:satMod val="150000"/>
+                <a:shade val="98000"/>
+                <a:lumMod val="102000"/>
+              </a:schemeClr>
+            </a:gs>
+            <a:gs pos="50000">
+              <a:schemeClr val="phClr">
+                <a:tint val="98000"/>
+                <a:satMod val="130000"/>
+                <a:shade val="90000"/>
+                <a:lumMod val="103000"/>
+              </a:schemeClr>
+            </a:gs>
+            <a:gs pos="100000">
+              <a:schemeClr val="phClr">
+                <a:shade val="63000"/>
+                <a:satMod val="120000"/>
+              </a:schemeClr>
+            </a:gs>
+          </a:gsLst>
+          <a:lin ang="5400000" scaled="0"/>
+        </a:gradFill>
+      </a:bgFillStyleLst>
+    </a:fmtScheme>
+  </a:themeElements>
+  <a:objectDefaults/>
+  <a:extraClrSchemeLst/>
+  <a:extLst>
+    <a:ext uri="{05A4C25C-085E-4340-85A3-A5531E510DB2}">
+      <thm15:themeFamily xmlns:thm15="http://schemas.microsoft.com/office/thememl/2012/main" name="Office Theme" id="{62F939B6-93AF-4DB8-9C6B-D6C7DFDC589F}" vid="{4A3C46E8-61CC-4603-A589-7422A47A8E4A}"/>
+    </a:ext>
+  </a:extLst>
+</a:theme>
 </file>